--- a/Exercies01/Exercise01.pptx
+++ b/Exercies01/Exercise01.pptx
@@ -41,7 +41,7 @@
   <p:notesSz cx="6858000" cy="9144000"/>
   <p:defaultTextStyle>
     <a:defPPr>
-      <a:defRPr lang="zh-CN"/>
+      <a:defRPr lang="zh-CHS"/>
     </a:defPPr>
     <a:lvl1pPr marL="0" algn="l" defTabSz="914400" rtl="0" eaLnBrk="1" latinLnBrk="0" hangingPunct="1">
       <a:defRPr sz="1800" kern="1200">
@@ -134,6 +134,22 @@
       </a:defRPr>
     </a:lvl9pPr>
   </p:defaultTextStyle>
+  <p:extLst>
+    <p:ext uri="{EFAFB233-063F-42B5-8137-9DF3F51BA10A}">
+      <p15:sldGuideLst xmlns:p15="http://schemas.microsoft.com/office/powerpoint/2012/main">
+        <p15:guide id="1" orient="horz" pos="2160">
+          <p15:clr>
+            <a:srgbClr val="A4A3A4"/>
+          </p15:clr>
+        </p15:guide>
+        <p15:guide id="2" pos="2880">
+          <p15:clr>
+            <a:srgbClr val="A4A3A4"/>
+          </p15:clr>
+        </p15:guide>
+      </p15:sldGuideLst>
+    </p:ext>
+  </p:extLst>
 </p:presentation>
 </file>
 
@@ -272,7 +288,7 @@
           </a:lstStyle>
           <a:p>
             <a:r>
-              <a:rPr kumimoji="0" lang="zh-CN" altLang="en-US" smtClean="0"/>
+              <a:rPr kumimoji="0" lang="zh-CHS" altLang="en-US" smtClean="0"/>
               <a:t>单击此处编辑母版标题样式</a:t>
             </a:r>
             <a:endParaRPr kumimoji="0" lang="en-US"/>
@@ -334,7 +350,7 @@
           </a:lstStyle>
           <a:p>
             <a:r>
-              <a:rPr kumimoji="0" lang="zh-CN" altLang="en-US" smtClean="0"/>
+              <a:rPr kumimoji="0" lang="zh-CHS" altLang="en-US" smtClean="0"/>
               <a:t>单击此处编辑母版副标题样式</a:t>
             </a:r>
             <a:endParaRPr kumimoji="0" lang="en-US"/>
@@ -761,11 +777,11 @@
           </a:lstStyle>
           <a:p>
             <a:fld id="{530820CF-B880-4189-942D-D702A7CBA730}" type="datetimeFigureOut">
-              <a:rPr lang="zh-CN" altLang="en-US" smtClean="0"/>
+              <a:rPr lang="zh-CHS" altLang="en-US" smtClean="0"/>
               <a:pPr/>
-              <a:t>2015/3/9</a:t>
+              <a:t>15/3/16</a:t>
             </a:fld>
-            <a:endParaRPr lang="zh-CN" altLang="en-US"/>
+            <a:endParaRPr lang="zh-CHS" altLang="en-US"/>
           </a:p>
         </p:txBody>
       </p:sp>
@@ -795,7 +811,7 @@
             <a:extLst/>
           </a:lstStyle>
           <a:p>
-            <a:endParaRPr lang="zh-CN" altLang="en-US"/>
+            <a:endParaRPr lang="zh-CHS" altLang="en-US"/>
           </a:p>
         </p:txBody>
       </p:sp>
@@ -824,11 +840,11 @@
           </a:lstStyle>
           <a:p>
             <a:fld id="{0C913308-F349-4B6D-A68A-DD1791B4A57B}" type="slidenum">
-              <a:rPr lang="zh-CN" altLang="en-US" smtClean="0"/>
+              <a:rPr lang="zh-CHS" altLang="en-US" smtClean="0"/>
               <a:pPr/>
               <a:t>‹#›</a:t>
             </a:fld>
-            <a:endParaRPr lang="zh-CN" altLang="en-US"/>
+            <a:endParaRPr lang="zh-CHS" altLang="en-US"/>
           </a:p>
         </p:txBody>
       </p:sp>
@@ -875,7 +891,7 @@
           </a:lstStyle>
           <a:p>
             <a:r>
-              <a:rPr kumimoji="0" lang="zh-CN" altLang="en-US" smtClean="0"/>
+              <a:rPr kumimoji="0" lang="zh-CHS" altLang="en-US" smtClean="0"/>
               <a:t>单击此处编辑母版标题样式</a:t>
             </a:r>
             <a:endParaRPr kumimoji="0" lang="en-US"/>
@@ -906,35 +922,35 @@
           <a:p>
             <a:pPr lvl="0" eaLnBrk="1" latinLnBrk="0" hangingPunct="1"/>
             <a:r>
-              <a:rPr lang="zh-CN" altLang="en-US" smtClean="0"/>
+              <a:rPr lang="zh-CHS" altLang="en-US" smtClean="0"/>
               <a:t>单击此处编辑母版文本样式</a:t>
             </a:r>
           </a:p>
           <a:p>
             <a:pPr lvl="1" eaLnBrk="1" latinLnBrk="0" hangingPunct="1"/>
             <a:r>
-              <a:rPr lang="zh-CN" altLang="en-US" smtClean="0"/>
+              <a:rPr lang="zh-CHS" altLang="en-US" smtClean="0"/>
               <a:t>第二级</a:t>
             </a:r>
           </a:p>
           <a:p>
             <a:pPr lvl="2" eaLnBrk="1" latinLnBrk="0" hangingPunct="1"/>
             <a:r>
-              <a:rPr lang="zh-CN" altLang="en-US" smtClean="0"/>
+              <a:rPr lang="zh-CHS" altLang="en-US" smtClean="0"/>
               <a:t>第三级</a:t>
             </a:r>
           </a:p>
           <a:p>
             <a:pPr lvl="3" eaLnBrk="1" latinLnBrk="0" hangingPunct="1"/>
             <a:r>
-              <a:rPr lang="zh-CN" altLang="en-US" smtClean="0"/>
+              <a:rPr lang="zh-CHS" altLang="en-US" smtClean="0"/>
               <a:t>第四级</a:t>
             </a:r>
           </a:p>
           <a:p>
             <a:pPr lvl="4" eaLnBrk="1" latinLnBrk="0" hangingPunct="1"/>
             <a:r>
-              <a:rPr lang="zh-CN" altLang="en-US" smtClean="0"/>
+              <a:rPr lang="zh-CHS" altLang="en-US" smtClean="0"/>
               <a:t>第五级</a:t>
             </a:r>
             <a:endParaRPr kumimoji="0" lang="en-US"/>
@@ -959,11 +975,11 @@
           </a:lstStyle>
           <a:p>
             <a:fld id="{530820CF-B880-4189-942D-D702A7CBA730}" type="datetimeFigureOut">
-              <a:rPr lang="zh-CN" altLang="en-US" smtClean="0"/>
+              <a:rPr lang="zh-CHS" altLang="en-US" smtClean="0"/>
               <a:pPr/>
-              <a:t>2015/3/9</a:t>
+              <a:t>15/3/16</a:t>
             </a:fld>
-            <a:endParaRPr lang="zh-CN" altLang="en-US"/>
+            <a:endParaRPr lang="zh-CHS" altLang="en-US"/>
           </a:p>
         </p:txBody>
       </p:sp>
@@ -984,7 +1000,7 @@
             <a:extLst/>
           </a:lstStyle>
           <a:p>
-            <a:endParaRPr lang="zh-CN" altLang="en-US"/>
+            <a:endParaRPr lang="zh-CHS" altLang="en-US"/>
           </a:p>
         </p:txBody>
       </p:sp>
@@ -1006,11 +1022,11 @@
           </a:lstStyle>
           <a:p>
             <a:fld id="{0C913308-F349-4B6D-A68A-DD1791B4A57B}" type="slidenum">
-              <a:rPr lang="zh-CN" altLang="en-US" smtClean="0"/>
+              <a:rPr lang="zh-CHS" altLang="en-US" smtClean="0"/>
               <a:pPr/>
               <a:t>‹#›</a:t>
             </a:fld>
-            <a:endParaRPr lang="zh-CN" altLang="en-US"/>
+            <a:endParaRPr lang="zh-CHS" altLang="en-US"/>
           </a:p>
         </p:txBody>
       </p:sp>
@@ -1062,7 +1078,7 @@
           </a:lstStyle>
           <a:p>
             <a:r>
-              <a:rPr kumimoji="0" lang="zh-CN" altLang="en-US" smtClean="0"/>
+              <a:rPr kumimoji="0" lang="zh-CHS" altLang="en-US" smtClean="0"/>
               <a:t>单击此处编辑母版标题样式</a:t>
             </a:r>
             <a:endParaRPr kumimoji="0" lang="en-US"/>
@@ -1093,35 +1109,35 @@
           <a:p>
             <a:pPr lvl="0" eaLnBrk="1" latinLnBrk="0" hangingPunct="1"/>
             <a:r>
-              <a:rPr lang="zh-CN" altLang="en-US" smtClean="0"/>
+              <a:rPr lang="zh-CHS" altLang="en-US" smtClean="0"/>
               <a:t>单击此处编辑母版文本样式</a:t>
             </a:r>
           </a:p>
           <a:p>
             <a:pPr lvl="1" eaLnBrk="1" latinLnBrk="0" hangingPunct="1"/>
             <a:r>
-              <a:rPr lang="zh-CN" altLang="en-US" smtClean="0"/>
+              <a:rPr lang="zh-CHS" altLang="en-US" smtClean="0"/>
               <a:t>第二级</a:t>
             </a:r>
           </a:p>
           <a:p>
             <a:pPr lvl="2" eaLnBrk="1" latinLnBrk="0" hangingPunct="1"/>
             <a:r>
-              <a:rPr lang="zh-CN" altLang="en-US" smtClean="0"/>
+              <a:rPr lang="zh-CHS" altLang="en-US" smtClean="0"/>
               <a:t>第三级</a:t>
             </a:r>
           </a:p>
           <a:p>
             <a:pPr lvl="3" eaLnBrk="1" latinLnBrk="0" hangingPunct="1"/>
             <a:r>
-              <a:rPr lang="zh-CN" altLang="en-US" smtClean="0"/>
+              <a:rPr lang="zh-CHS" altLang="en-US" smtClean="0"/>
               <a:t>第四级</a:t>
             </a:r>
           </a:p>
           <a:p>
             <a:pPr lvl="4" eaLnBrk="1" latinLnBrk="0" hangingPunct="1"/>
             <a:r>
-              <a:rPr lang="zh-CN" altLang="en-US" smtClean="0"/>
+              <a:rPr lang="zh-CHS" altLang="en-US" smtClean="0"/>
               <a:t>第五级</a:t>
             </a:r>
             <a:endParaRPr kumimoji="0" lang="en-US"/>
@@ -1146,11 +1162,11 @@
           </a:lstStyle>
           <a:p>
             <a:fld id="{530820CF-B880-4189-942D-D702A7CBA730}" type="datetimeFigureOut">
-              <a:rPr lang="zh-CN" altLang="en-US" smtClean="0"/>
+              <a:rPr lang="zh-CHS" altLang="en-US" smtClean="0"/>
               <a:pPr/>
-              <a:t>2015/3/9</a:t>
+              <a:t>15/3/16</a:t>
             </a:fld>
-            <a:endParaRPr lang="zh-CN" altLang="en-US"/>
+            <a:endParaRPr lang="zh-CHS" altLang="en-US"/>
           </a:p>
         </p:txBody>
       </p:sp>
@@ -1171,7 +1187,7 @@
             <a:extLst/>
           </a:lstStyle>
           <a:p>
-            <a:endParaRPr lang="zh-CN" altLang="en-US"/>
+            <a:endParaRPr lang="zh-CHS" altLang="en-US"/>
           </a:p>
         </p:txBody>
       </p:sp>
@@ -1193,11 +1209,11 @@
           </a:lstStyle>
           <a:p>
             <a:fld id="{0C913308-F349-4B6D-A68A-DD1791B4A57B}" type="slidenum">
-              <a:rPr lang="zh-CN" altLang="en-US" smtClean="0"/>
+              <a:rPr lang="zh-CHS" altLang="en-US" smtClean="0"/>
               <a:pPr/>
               <a:t>‹#›</a:t>
             </a:fld>
-            <a:endParaRPr lang="zh-CN" altLang="en-US"/>
+            <a:endParaRPr lang="zh-CHS" altLang="en-US"/>
           </a:p>
         </p:txBody>
       </p:sp>
@@ -1245,35 +1261,35 @@
           <a:p>
             <a:pPr lvl="0" eaLnBrk="1" latinLnBrk="0" hangingPunct="1"/>
             <a:r>
-              <a:rPr lang="zh-CN" altLang="en-US" smtClean="0"/>
+              <a:rPr lang="zh-CHS" altLang="en-US" smtClean="0"/>
               <a:t>单击此处编辑母版文本样式</a:t>
             </a:r>
           </a:p>
           <a:p>
             <a:pPr lvl="1" eaLnBrk="1" latinLnBrk="0" hangingPunct="1"/>
             <a:r>
-              <a:rPr lang="zh-CN" altLang="en-US" smtClean="0"/>
+              <a:rPr lang="zh-CHS" altLang="en-US" smtClean="0"/>
               <a:t>第二级</a:t>
             </a:r>
           </a:p>
           <a:p>
             <a:pPr lvl="2" eaLnBrk="1" latinLnBrk="0" hangingPunct="1"/>
             <a:r>
-              <a:rPr lang="zh-CN" altLang="en-US" smtClean="0"/>
+              <a:rPr lang="zh-CHS" altLang="en-US" smtClean="0"/>
               <a:t>第三级</a:t>
             </a:r>
           </a:p>
           <a:p>
             <a:pPr lvl="3" eaLnBrk="1" latinLnBrk="0" hangingPunct="1"/>
             <a:r>
-              <a:rPr lang="zh-CN" altLang="en-US" smtClean="0"/>
+              <a:rPr lang="zh-CHS" altLang="en-US" smtClean="0"/>
               <a:t>第四级</a:t>
             </a:r>
           </a:p>
           <a:p>
             <a:pPr lvl="4" eaLnBrk="1" latinLnBrk="0" hangingPunct="1"/>
             <a:r>
-              <a:rPr lang="zh-CN" altLang="en-US" smtClean="0"/>
+              <a:rPr lang="zh-CHS" altLang="en-US" smtClean="0"/>
               <a:t>第五级</a:t>
             </a:r>
             <a:endParaRPr kumimoji="0" lang="en-US"/>
@@ -1298,11 +1314,11 @@
           </a:lstStyle>
           <a:p>
             <a:fld id="{530820CF-B880-4189-942D-D702A7CBA730}" type="datetimeFigureOut">
-              <a:rPr lang="zh-CN" altLang="en-US" smtClean="0"/>
+              <a:rPr lang="zh-CHS" altLang="en-US" smtClean="0"/>
               <a:pPr/>
-              <a:t>2015/3/9</a:t>
+              <a:t>15/3/16</a:t>
             </a:fld>
-            <a:endParaRPr lang="zh-CN" altLang="en-US"/>
+            <a:endParaRPr lang="zh-CHS" altLang="en-US"/>
           </a:p>
         </p:txBody>
       </p:sp>
@@ -1323,7 +1339,7 @@
             <a:extLst/>
           </a:lstStyle>
           <a:p>
-            <a:endParaRPr lang="zh-CN" altLang="en-US"/>
+            <a:endParaRPr lang="zh-CHS" altLang="en-US"/>
           </a:p>
         </p:txBody>
       </p:sp>
@@ -1345,11 +1361,11 @@
           </a:lstStyle>
           <a:p>
             <a:fld id="{0C913308-F349-4B6D-A68A-DD1791B4A57B}" type="slidenum">
-              <a:rPr lang="zh-CN" altLang="en-US" smtClean="0"/>
+              <a:rPr lang="zh-CHS" altLang="en-US" smtClean="0"/>
               <a:pPr/>
               <a:t>‹#›</a:t>
             </a:fld>
-            <a:endParaRPr lang="zh-CN" altLang="en-US"/>
+            <a:endParaRPr lang="zh-CHS" altLang="en-US"/>
           </a:p>
         </p:txBody>
       </p:sp>
@@ -1371,7 +1387,7 @@
           </a:lstStyle>
           <a:p>
             <a:r>
-              <a:rPr kumimoji="0" lang="zh-CN" altLang="en-US" smtClean="0"/>
+              <a:rPr kumimoji="0" lang="zh-CHS" altLang="en-US" smtClean="0"/>
               <a:t>单击此处编辑母版标题样式</a:t>
             </a:r>
             <a:endParaRPr kumimoji="0" lang="en-US"/>
@@ -1447,7 +1463,7 @@
           </a:lstStyle>
           <a:p>
             <a:r>
-              <a:rPr kumimoji="0" lang="zh-CN" altLang="en-US" smtClean="0"/>
+              <a:rPr kumimoji="0" lang="zh-CHS" altLang="en-US" smtClean="0"/>
               <a:t>单击此处编辑母版标题样式</a:t>
             </a:r>
             <a:endParaRPr kumimoji="0" lang="en-US"/>
@@ -1526,7 +1542,7 @@
           <a:p>
             <a:pPr lvl="0" eaLnBrk="1" latinLnBrk="0" hangingPunct="1"/>
             <a:r>
-              <a:rPr kumimoji="0" lang="zh-CN" altLang="en-US" smtClean="0"/>
+              <a:rPr kumimoji="0" lang="zh-CHS" altLang="en-US" smtClean="0"/>
               <a:t>单击此处编辑母版文本样式</a:t>
             </a:r>
           </a:p>
@@ -1550,11 +1566,11 @@
           </a:lstStyle>
           <a:p>
             <a:fld id="{530820CF-B880-4189-942D-D702A7CBA730}" type="datetimeFigureOut">
-              <a:rPr lang="zh-CN" altLang="en-US" smtClean="0"/>
+              <a:rPr lang="zh-CHS" altLang="en-US" smtClean="0"/>
               <a:pPr/>
-              <a:t>2015/3/9</a:t>
+              <a:t>15/3/16</a:t>
             </a:fld>
-            <a:endParaRPr lang="zh-CN" altLang="en-US"/>
+            <a:endParaRPr lang="zh-CHS" altLang="en-US"/>
           </a:p>
         </p:txBody>
       </p:sp>
@@ -1575,7 +1591,7 @@
             <a:extLst/>
           </a:lstStyle>
           <a:p>
-            <a:endParaRPr lang="zh-CN" altLang="en-US"/>
+            <a:endParaRPr lang="zh-CHS" altLang="en-US"/>
           </a:p>
         </p:txBody>
       </p:sp>
@@ -1597,11 +1613,11 @@
           </a:lstStyle>
           <a:p>
             <a:fld id="{0C913308-F349-4B6D-A68A-DD1791B4A57B}" type="slidenum">
-              <a:rPr lang="zh-CN" altLang="en-US" smtClean="0"/>
+              <a:rPr lang="zh-CHS" altLang="en-US" smtClean="0"/>
               <a:pPr/>
               <a:t>‹#›</a:t>
             </a:fld>
-            <a:endParaRPr lang="zh-CN" altLang="en-US"/>
+            <a:endParaRPr lang="zh-CHS" altLang="en-US"/>
           </a:p>
         </p:txBody>
       </p:sp>
@@ -1829,35 +1845,35 @@
           <a:p>
             <a:pPr lvl="0" eaLnBrk="1" latinLnBrk="0" hangingPunct="1"/>
             <a:r>
-              <a:rPr lang="zh-CN" altLang="en-US" smtClean="0"/>
+              <a:rPr lang="zh-CHS" altLang="en-US" smtClean="0"/>
               <a:t>单击此处编辑母版文本样式</a:t>
             </a:r>
           </a:p>
           <a:p>
             <a:pPr lvl="1" eaLnBrk="1" latinLnBrk="0" hangingPunct="1"/>
             <a:r>
-              <a:rPr lang="zh-CN" altLang="en-US" smtClean="0"/>
+              <a:rPr lang="zh-CHS" altLang="en-US" smtClean="0"/>
               <a:t>第二级</a:t>
             </a:r>
           </a:p>
           <a:p>
             <a:pPr lvl="2" eaLnBrk="1" latinLnBrk="0" hangingPunct="1"/>
             <a:r>
-              <a:rPr lang="zh-CN" altLang="en-US" smtClean="0"/>
+              <a:rPr lang="zh-CHS" altLang="en-US" smtClean="0"/>
               <a:t>第三级</a:t>
             </a:r>
           </a:p>
           <a:p>
             <a:pPr lvl="3" eaLnBrk="1" latinLnBrk="0" hangingPunct="1"/>
             <a:r>
-              <a:rPr lang="zh-CN" altLang="en-US" smtClean="0"/>
+              <a:rPr lang="zh-CHS" altLang="en-US" smtClean="0"/>
               <a:t>第四级</a:t>
             </a:r>
           </a:p>
           <a:p>
             <a:pPr lvl="4" eaLnBrk="1" latinLnBrk="0" hangingPunct="1"/>
             <a:r>
-              <a:rPr lang="zh-CN" altLang="en-US" smtClean="0"/>
+              <a:rPr lang="zh-CHS" altLang="en-US" smtClean="0"/>
               <a:t>第五级</a:t>
             </a:r>
             <a:endParaRPr kumimoji="0" lang="en-US"/>
@@ -1903,35 +1919,35 @@
           <a:p>
             <a:pPr lvl="0" eaLnBrk="1" latinLnBrk="0" hangingPunct="1"/>
             <a:r>
-              <a:rPr lang="zh-CN" altLang="en-US" smtClean="0"/>
+              <a:rPr lang="zh-CHS" altLang="en-US" smtClean="0"/>
               <a:t>单击此处编辑母版文本样式</a:t>
             </a:r>
           </a:p>
           <a:p>
             <a:pPr lvl="1" eaLnBrk="1" latinLnBrk="0" hangingPunct="1"/>
             <a:r>
-              <a:rPr lang="zh-CN" altLang="en-US" smtClean="0"/>
+              <a:rPr lang="zh-CHS" altLang="en-US" smtClean="0"/>
               <a:t>第二级</a:t>
             </a:r>
           </a:p>
           <a:p>
             <a:pPr lvl="2" eaLnBrk="1" latinLnBrk="0" hangingPunct="1"/>
             <a:r>
-              <a:rPr lang="zh-CN" altLang="en-US" smtClean="0"/>
+              <a:rPr lang="zh-CHS" altLang="en-US" smtClean="0"/>
               <a:t>第三级</a:t>
             </a:r>
           </a:p>
           <a:p>
             <a:pPr lvl="3" eaLnBrk="1" latinLnBrk="0" hangingPunct="1"/>
             <a:r>
-              <a:rPr lang="zh-CN" altLang="en-US" smtClean="0"/>
+              <a:rPr lang="zh-CHS" altLang="en-US" smtClean="0"/>
               <a:t>第四级</a:t>
             </a:r>
           </a:p>
           <a:p>
             <a:pPr lvl="4" eaLnBrk="1" latinLnBrk="0" hangingPunct="1"/>
             <a:r>
-              <a:rPr lang="zh-CN" altLang="en-US" smtClean="0"/>
+              <a:rPr lang="zh-CHS" altLang="en-US" smtClean="0"/>
               <a:t>第五级</a:t>
             </a:r>
             <a:endParaRPr kumimoji="0" lang="en-US"/>
@@ -1956,11 +1972,11 @@
           </a:lstStyle>
           <a:p>
             <a:fld id="{530820CF-B880-4189-942D-D702A7CBA730}" type="datetimeFigureOut">
-              <a:rPr lang="zh-CN" altLang="en-US" smtClean="0"/>
+              <a:rPr lang="zh-CHS" altLang="en-US" smtClean="0"/>
               <a:pPr/>
-              <a:t>2015/3/9</a:t>
+              <a:t>15/3/16</a:t>
             </a:fld>
-            <a:endParaRPr lang="zh-CN" altLang="en-US"/>
+            <a:endParaRPr lang="zh-CHS" altLang="en-US"/>
           </a:p>
         </p:txBody>
       </p:sp>
@@ -1981,7 +1997,7 @@
             <a:extLst/>
           </a:lstStyle>
           <a:p>
-            <a:endParaRPr lang="zh-CN" altLang="en-US"/>
+            <a:endParaRPr lang="zh-CHS" altLang="en-US"/>
           </a:p>
         </p:txBody>
       </p:sp>
@@ -2003,11 +2019,11 @@
           </a:lstStyle>
           <a:p>
             <a:fld id="{0C913308-F349-4B6D-A68A-DD1791B4A57B}" type="slidenum">
-              <a:rPr lang="zh-CN" altLang="en-US" smtClean="0"/>
+              <a:rPr lang="zh-CHS" altLang="en-US" smtClean="0"/>
               <a:pPr/>
               <a:t>‹#›</a:t>
             </a:fld>
-            <a:endParaRPr lang="zh-CN" altLang="en-US"/>
+            <a:endParaRPr lang="zh-CHS" altLang="en-US"/>
           </a:p>
         </p:txBody>
       </p:sp>
@@ -2029,7 +2045,7 @@
           </a:lstStyle>
           <a:p>
             <a:r>
-              <a:rPr kumimoji="0" lang="zh-CN" altLang="en-US" smtClean="0"/>
+              <a:rPr kumimoji="0" lang="zh-CHS" altLang="en-US" smtClean="0"/>
               <a:t>单击此处编辑母版标题样式</a:t>
             </a:r>
             <a:endParaRPr kumimoji="0" lang="en-US"/>
@@ -2087,7 +2103,7 @@
           </a:lstStyle>
           <a:p>
             <a:r>
-              <a:rPr kumimoji="0" lang="zh-CN" altLang="en-US" smtClean="0"/>
+              <a:rPr kumimoji="0" lang="zh-CHS" altLang="en-US" smtClean="0"/>
               <a:t>单击此处编辑母版标题样式</a:t>
             </a:r>
             <a:endParaRPr kumimoji="0" lang="en-US"/>
@@ -2151,7 +2167,7 @@
           <a:p>
             <a:pPr lvl="0" eaLnBrk="1" latinLnBrk="0" hangingPunct="1"/>
             <a:r>
-              <a:rPr kumimoji="0" lang="zh-CN" altLang="en-US" smtClean="0"/>
+              <a:rPr kumimoji="0" lang="zh-CHS" altLang="en-US" smtClean="0"/>
               <a:t>单击此处编辑母版文本样式</a:t>
             </a:r>
           </a:p>
@@ -2214,7 +2230,7 @@
           <a:p>
             <a:pPr lvl="0" eaLnBrk="1" latinLnBrk="0" hangingPunct="1"/>
             <a:r>
-              <a:rPr kumimoji="0" lang="zh-CN" altLang="en-US" smtClean="0"/>
+              <a:rPr kumimoji="0" lang="zh-CHS" altLang="en-US" smtClean="0"/>
               <a:t>单击此处编辑母版文本样式</a:t>
             </a:r>
           </a:p>
@@ -2264,35 +2280,35 @@
           <a:p>
             <a:pPr lvl="0" eaLnBrk="1" latinLnBrk="0" hangingPunct="1"/>
             <a:r>
-              <a:rPr lang="zh-CN" altLang="en-US" smtClean="0"/>
+              <a:rPr lang="zh-CHS" altLang="en-US" smtClean="0"/>
               <a:t>单击此处编辑母版文本样式</a:t>
             </a:r>
           </a:p>
           <a:p>
             <a:pPr lvl="1" eaLnBrk="1" latinLnBrk="0" hangingPunct="1"/>
             <a:r>
-              <a:rPr lang="zh-CN" altLang="en-US" smtClean="0"/>
+              <a:rPr lang="zh-CHS" altLang="en-US" smtClean="0"/>
               <a:t>第二级</a:t>
             </a:r>
           </a:p>
           <a:p>
             <a:pPr lvl="2" eaLnBrk="1" latinLnBrk="0" hangingPunct="1"/>
             <a:r>
-              <a:rPr lang="zh-CN" altLang="en-US" smtClean="0"/>
+              <a:rPr lang="zh-CHS" altLang="en-US" smtClean="0"/>
               <a:t>第三级</a:t>
             </a:r>
           </a:p>
           <a:p>
             <a:pPr lvl="3" eaLnBrk="1" latinLnBrk="0" hangingPunct="1"/>
             <a:r>
-              <a:rPr lang="zh-CN" altLang="en-US" smtClean="0"/>
+              <a:rPr lang="zh-CHS" altLang="en-US" smtClean="0"/>
               <a:t>第四级</a:t>
             </a:r>
           </a:p>
           <a:p>
             <a:pPr lvl="4" eaLnBrk="1" latinLnBrk="0" hangingPunct="1"/>
             <a:r>
-              <a:rPr lang="zh-CN" altLang="en-US" smtClean="0"/>
+              <a:rPr lang="zh-CHS" altLang="en-US" smtClean="0"/>
               <a:t>第五级</a:t>
             </a:r>
             <a:endParaRPr kumimoji="0" lang="en-US"/>
@@ -2346,35 +2362,35 @@
           <a:p>
             <a:pPr lvl="0" eaLnBrk="1" latinLnBrk="0" hangingPunct="1"/>
             <a:r>
-              <a:rPr lang="zh-CN" altLang="en-US" smtClean="0"/>
+              <a:rPr lang="zh-CHS" altLang="en-US" smtClean="0"/>
               <a:t>单击此处编辑母版文本样式</a:t>
             </a:r>
           </a:p>
           <a:p>
             <a:pPr lvl="1" eaLnBrk="1" latinLnBrk="0" hangingPunct="1"/>
             <a:r>
-              <a:rPr lang="zh-CN" altLang="en-US" smtClean="0"/>
+              <a:rPr lang="zh-CHS" altLang="en-US" smtClean="0"/>
               <a:t>第二级</a:t>
             </a:r>
           </a:p>
           <a:p>
             <a:pPr lvl="2" eaLnBrk="1" latinLnBrk="0" hangingPunct="1"/>
             <a:r>
-              <a:rPr lang="zh-CN" altLang="en-US" smtClean="0"/>
+              <a:rPr lang="zh-CHS" altLang="en-US" smtClean="0"/>
               <a:t>第三级</a:t>
             </a:r>
           </a:p>
           <a:p>
             <a:pPr lvl="3" eaLnBrk="1" latinLnBrk="0" hangingPunct="1"/>
             <a:r>
-              <a:rPr lang="zh-CN" altLang="en-US" smtClean="0"/>
+              <a:rPr lang="zh-CHS" altLang="en-US" smtClean="0"/>
               <a:t>第四级</a:t>
             </a:r>
           </a:p>
           <a:p>
             <a:pPr lvl="4" eaLnBrk="1" latinLnBrk="0" hangingPunct="1"/>
             <a:r>
-              <a:rPr lang="zh-CN" altLang="en-US" smtClean="0"/>
+              <a:rPr lang="zh-CHS" altLang="en-US" smtClean="0"/>
               <a:t>第五级</a:t>
             </a:r>
             <a:endParaRPr kumimoji="0" lang="en-US"/>
@@ -2399,11 +2415,11 @@
           </a:lstStyle>
           <a:p>
             <a:fld id="{530820CF-B880-4189-942D-D702A7CBA730}" type="datetimeFigureOut">
-              <a:rPr lang="zh-CN" altLang="en-US" smtClean="0"/>
+              <a:rPr lang="zh-CHS" altLang="en-US" smtClean="0"/>
               <a:pPr/>
-              <a:t>2015/3/9</a:t>
+              <a:t>15/3/16</a:t>
             </a:fld>
-            <a:endParaRPr lang="zh-CN" altLang="en-US"/>
+            <a:endParaRPr lang="zh-CHS" altLang="en-US"/>
           </a:p>
         </p:txBody>
       </p:sp>
@@ -2424,7 +2440,7 @@
             <a:extLst/>
           </a:lstStyle>
           <a:p>
-            <a:endParaRPr lang="zh-CN" altLang="en-US"/>
+            <a:endParaRPr lang="zh-CHS" altLang="en-US"/>
           </a:p>
         </p:txBody>
       </p:sp>
@@ -2446,11 +2462,11 @@
           </a:lstStyle>
           <a:p>
             <a:fld id="{0C913308-F349-4B6D-A68A-DD1791B4A57B}" type="slidenum">
-              <a:rPr lang="zh-CN" altLang="en-US" smtClean="0"/>
+              <a:rPr lang="zh-CHS" altLang="en-US" smtClean="0"/>
               <a:pPr/>
               <a:t>‹#›</a:t>
             </a:fld>
-            <a:endParaRPr lang="zh-CN" altLang="en-US"/>
+            <a:endParaRPr lang="zh-CHS" altLang="en-US"/>
           </a:p>
         </p:txBody>
       </p:sp>
@@ -2497,11 +2513,11 @@
           </a:lstStyle>
           <a:p>
             <a:fld id="{530820CF-B880-4189-942D-D702A7CBA730}" type="datetimeFigureOut">
-              <a:rPr lang="zh-CN" altLang="en-US" smtClean="0"/>
+              <a:rPr lang="zh-CHS" altLang="en-US" smtClean="0"/>
               <a:pPr/>
-              <a:t>2015/3/9</a:t>
+              <a:t>15/3/16</a:t>
             </a:fld>
-            <a:endParaRPr lang="zh-CN" altLang="en-US"/>
+            <a:endParaRPr lang="zh-CHS" altLang="en-US"/>
           </a:p>
         </p:txBody>
       </p:sp>
@@ -2522,7 +2538,7 @@
             <a:extLst/>
           </a:lstStyle>
           <a:p>
-            <a:endParaRPr lang="zh-CN" altLang="en-US"/>
+            <a:endParaRPr lang="zh-CHS" altLang="en-US"/>
           </a:p>
         </p:txBody>
       </p:sp>
@@ -2544,11 +2560,11 @@
           </a:lstStyle>
           <a:p>
             <a:fld id="{0C913308-F349-4B6D-A68A-DD1791B4A57B}" type="slidenum">
-              <a:rPr lang="zh-CN" altLang="en-US" smtClean="0"/>
+              <a:rPr lang="zh-CHS" altLang="en-US" smtClean="0"/>
               <a:pPr/>
               <a:t>‹#›</a:t>
             </a:fld>
-            <a:endParaRPr lang="zh-CN" altLang="en-US"/>
+            <a:endParaRPr lang="zh-CHS" altLang="en-US"/>
           </a:p>
         </p:txBody>
       </p:sp>
@@ -2570,7 +2586,7 @@
           </a:lstStyle>
           <a:p>
             <a:r>
-              <a:rPr kumimoji="0" lang="zh-CN" altLang="en-US" smtClean="0"/>
+              <a:rPr kumimoji="0" lang="zh-CHS" altLang="en-US" smtClean="0"/>
               <a:t>单击此处编辑母版标题样式</a:t>
             </a:r>
             <a:endParaRPr kumimoji="0" lang="en-US"/>
@@ -2620,11 +2636,11 @@
           </a:lstStyle>
           <a:p>
             <a:fld id="{530820CF-B880-4189-942D-D702A7CBA730}" type="datetimeFigureOut">
-              <a:rPr lang="zh-CN" altLang="en-US" smtClean="0"/>
+              <a:rPr lang="zh-CHS" altLang="en-US" smtClean="0"/>
               <a:pPr/>
-              <a:t>2015/3/9</a:t>
+              <a:t>15/3/16</a:t>
             </a:fld>
-            <a:endParaRPr lang="zh-CN" altLang="en-US"/>
+            <a:endParaRPr lang="zh-CHS" altLang="en-US"/>
           </a:p>
         </p:txBody>
       </p:sp>
@@ -2645,7 +2661,7 @@
             <a:extLst/>
           </a:lstStyle>
           <a:p>
-            <a:endParaRPr lang="zh-CN" altLang="en-US"/>
+            <a:endParaRPr lang="zh-CHS" altLang="en-US"/>
           </a:p>
         </p:txBody>
       </p:sp>
@@ -2667,11 +2683,11 @@
           </a:lstStyle>
           <a:p>
             <a:fld id="{0C913308-F349-4B6D-A68A-DD1791B4A57B}" type="slidenum">
-              <a:rPr lang="zh-CN" altLang="en-US" smtClean="0"/>
+              <a:rPr lang="zh-CHS" altLang="en-US" smtClean="0"/>
               <a:pPr/>
               <a:t>‹#›</a:t>
             </a:fld>
-            <a:endParaRPr lang="zh-CN" altLang="en-US"/>
+            <a:endParaRPr lang="zh-CHS" altLang="en-US"/>
           </a:p>
         </p:txBody>
       </p:sp>
@@ -2737,7 +2753,7 @@
           </a:lstStyle>
           <a:p>
             <a:r>
-              <a:rPr kumimoji="0" lang="zh-CN" altLang="en-US" smtClean="0"/>
+              <a:rPr kumimoji="0" lang="zh-CHS" altLang="en-US" smtClean="0"/>
               <a:t>单击此处编辑母版标题样式</a:t>
             </a:r>
             <a:endParaRPr kumimoji="0" lang="en-US"/>
@@ -2788,7 +2804,7 @@
           <a:p>
             <a:pPr lvl="0" eaLnBrk="1" latinLnBrk="0" hangingPunct="1"/>
             <a:r>
-              <a:rPr kumimoji="0" lang="zh-CN" altLang="en-US" smtClean="0"/>
+              <a:rPr kumimoji="0" lang="zh-CHS" altLang="en-US" smtClean="0"/>
               <a:t>单击此处编辑母版文本样式</a:t>
             </a:r>
           </a:p>
@@ -2833,35 +2849,35 @@
           <a:p>
             <a:pPr lvl="0" eaLnBrk="1" latinLnBrk="0" hangingPunct="1"/>
             <a:r>
-              <a:rPr lang="zh-CN" altLang="en-US" smtClean="0"/>
+              <a:rPr lang="zh-CHS" altLang="en-US" smtClean="0"/>
               <a:t>单击此处编辑母版文本样式</a:t>
             </a:r>
           </a:p>
           <a:p>
             <a:pPr lvl="1" eaLnBrk="1" latinLnBrk="0" hangingPunct="1"/>
             <a:r>
-              <a:rPr lang="zh-CN" altLang="en-US" smtClean="0"/>
+              <a:rPr lang="zh-CHS" altLang="en-US" smtClean="0"/>
               <a:t>第二级</a:t>
             </a:r>
           </a:p>
           <a:p>
             <a:pPr lvl="2" eaLnBrk="1" latinLnBrk="0" hangingPunct="1"/>
             <a:r>
-              <a:rPr lang="zh-CN" altLang="en-US" smtClean="0"/>
+              <a:rPr lang="zh-CHS" altLang="en-US" smtClean="0"/>
               <a:t>第三级</a:t>
             </a:r>
           </a:p>
           <a:p>
             <a:pPr lvl="3" eaLnBrk="1" latinLnBrk="0" hangingPunct="1"/>
             <a:r>
-              <a:rPr lang="zh-CN" altLang="en-US" smtClean="0"/>
+              <a:rPr lang="zh-CHS" altLang="en-US" smtClean="0"/>
               <a:t>第四级</a:t>
             </a:r>
           </a:p>
           <a:p>
             <a:pPr lvl="4" eaLnBrk="1" latinLnBrk="0" hangingPunct="1"/>
             <a:r>
-              <a:rPr lang="zh-CN" altLang="en-US" smtClean="0"/>
+              <a:rPr lang="zh-CHS" altLang="en-US" smtClean="0"/>
               <a:t>第五级</a:t>
             </a:r>
             <a:endParaRPr kumimoji="0" lang="en-US"/>
@@ -2891,11 +2907,11 @@
           </a:lstStyle>
           <a:p>
             <a:fld id="{530820CF-B880-4189-942D-D702A7CBA730}" type="datetimeFigureOut">
-              <a:rPr lang="zh-CN" altLang="en-US" smtClean="0"/>
+              <a:rPr lang="zh-CHS" altLang="en-US" smtClean="0"/>
               <a:pPr/>
-              <a:t>2015/3/9</a:t>
+              <a:t>15/3/16</a:t>
             </a:fld>
-            <a:endParaRPr lang="zh-CN" altLang="en-US"/>
+            <a:endParaRPr lang="zh-CHS" altLang="en-US"/>
           </a:p>
         </p:txBody>
       </p:sp>
@@ -2916,7 +2932,7 @@
             <a:extLst/>
           </a:lstStyle>
           <a:p>
-            <a:endParaRPr lang="zh-CN" altLang="en-US"/>
+            <a:endParaRPr lang="zh-CHS" altLang="en-US"/>
           </a:p>
         </p:txBody>
       </p:sp>
@@ -2938,11 +2954,11 @@
           </a:lstStyle>
           <a:p>
             <a:fld id="{0C913308-F349-4B6D-A68A-DD1791B4A57B}" type="slidenum">
-              <a:rPr lang="zh-CN" altLang="en-US" smtClean="0"/>
+              <a:rPr lang="zh-CHS" altLang="en-US" smtClean="0"/>
               <a:pPr/>
               <a:t>‹#›</a:t>
             </a:fld>
-            <a:endParaRPr lang="zh-CN" altLang="en-US"/>
+            <a:endParaRPr lang="zh-CHS" altLang="en-US"/>
           </a:p>
         </p:txBody>
       </p:sp>
@@ -3012,7 +3028,7 @@
           <a:p>
             <a:pPr lvl="0" eaLnBrk="1" latinLnBrk="0" hangingPunct="1"/>
             <a:r>
-              <a:rPr kumimoji="0" lang="zh-CN" altLang="en-US" smtClean="0"/>
+              <a:rPr kumimoji="0" lang="zh-CHS" altLang="en-US" smtClean="0"/>
               <a:t>单击此处编辑母版文本样式</a:t>
             </a:r>
           </a:p>
@@ -3061,7 +3077,7 @@
           </a:lstStyle>
           <a:p>
             <a:r>
-              <a:rPr kumimoji="0" lang="zh-CN" altLang="en-US" smtClean="0"/>
+              <a:rPr kumimoji="0" lang="zh-CHS" altLang="en-US" smtClean="0"/>
               <a:t>单击图标添加图片</a:t>
             </a:r>
             <a:endParaRPr kumimoji="0" lang="en-US" dirty="0"/>
@@ -3093,11 +3109,11 @@
           </a:lstStyle>
           <a:p>
             <a:fld id="{530820CF-B880-4189-942D-D702A7CBA730}" type="datetimeFigureOut">
-              <a:rPr lang="zh-CN" altLang="en-US" smtClean="0"/>
+              <a:rPr lang="zh-CHS" altLang="en-US" smtClean="0"/>
               <a:pPr/>
-              <a:t>2015/3/9</a:t>
+              <a:t>15/3/16</a:t>
             </a:fld>
-            <a:endParaRPr lang="zh-CN" altLang="en-US"/>
+            <a:endParaRPr lang="zh-CHS" altLang="en-US"/>
           </a:p>
         </p:txBody>
       </p:sp>
@@ -3130,7 +3146,7 @@
             <a:extLst/>
           </a:lstStyle>
           <a:p>
-            <a:endParaRPr lang="zh-CN" altLang="en-US"/>
+            <a:endParaRPr lang="zh-CHS" altLang="en-US"/>
           </a:p>
         </p:txBody>
       </p:sp>
@@ -3159,11 +3175,11 @@
           </a:lstStyle>
           <a:p>
             <a:fld id="{0C913308-F349-4B6D-A68A-DD1791B4A57B}" type="slidenum">
-              <a:rPr lang="zh-CN" altLang="en-US" smtClean="0"/>
+              <a:rPr lang="zh-CHS" altLang="en-US" smtClean="0"/>
               <a:pPr/>
               <a:t>‹#›</a:t>
             </a:fld>
-            <a:endParaRPr lang="zh-CN" altLang="en-US"/>
+            <a:endParaRPr lang="zh-CHS" altLang="en-US"/>
           </a:p>
         </p:txBody>
       </p:sp>
@@ -3208,7 +3224,7 @@
           </a:lstStyle>
           <a:p>
             <a:r>
-              <a:rPr kumimoji="0" lang="zh-CN" altLang="en-US" smtClean="0"/>
+              <a:rPr kumimoji="0" lang="zh-CHS" altLang="en-US" smtClean="0"/>
               <a:t>单击此处编辑母版标题样式</a:t>
             </a:r>
             <a:endParaRPr kumimoji="0" lang="en-US"/>
@@ -4109,7 +4125,7 @@
           </a:lstStyle>
           <a:p>
             <a:r>
-              <a:rPr kumimoji="0" lang="zh-CN" altLang="en-US" smtClean="0"/>
+              <a:rPr kumimoji="0" lang="zh-CHS" altLang="en-US" smtClean="0"/>
               <a:t>单击此处编辑母版标题样式</a:t>
             </a:r>
             <a:endParaRPr kumimoji="0" lang="en-US"/>
@@ -4145,35 +4161,35 @@
           <a:p>
             <a:pPr lvl="0" eaLnBrk="1" latinLnBrk="0" hangingPunct="1"/>
             <a:r>
-              <a:rPr kumimoji="0" lang="zh-CN" altLang="en-US" smtClean="0"/>
+              <a:rPr kumimoji="0" lang="zh-CHS" altLang="en-US" smtClean="0"/>
               <a:t>单击此处编辑母版文本样式</a:t>
             </a:r>
           </a:p>
           <a:p>
             <a:pPr lvl="1" eaLnBrk="1" latinLnBrk="0" hangingPunct="1"/>
             <a:r>
-              <a:rPr kumimoji="0" lang="zh-CN" altLang="en-US" smtClean="0"/>
+              <a:rPr kumimoji="0" lang="zh-CHS" altLang="en-US" smtClean="0"/>
               <a:t>第二级</a:t>
             </a:r>
           </a:p>
           <a:p>
             <a:pPr lvl="2" eaLnBrk="1" latinLnBrk="0" hangingPunct="1"/>
             <a:r>
-              <a:rPr kumimoji="0" lang="zh-CN" altLang="en-US" smtClean="0"/>
+              <a:rPr kumimoji="0" lang="zh-CHS" altLang="en-US" smtClean="0"/>
               <a:t>第三级</a:t>
             </a:r>
           </a:p>
           <a:p>
             <a:pPr lvl="3" eaLnBrk="1" latinLnBrk="0" hangingPunct="1"/>
             <a:r>
-              <a:rPr kumimoji="0" lang="zh-CN" altLang="en-US" smtClean="0"/>
+              <a:rPr kumimoji="0" lang="zh-CHS" altLang="en-US" smtClean="0"/>
               <a:t>第四级</a:t>
             </a:r>
           </a:p>
           <a:p>
             <a:pPr lvl="4" eaLnBrk="1" latinLnBrk="0" hangingPunct="1"/>
             <a:r>
-              <a:rPr kumimoji="0" lang="zh-CN" altLang="en-US" smtClean="0"/>
+              <a:rPr kumimoji="0" lang="zh-CHS" altLang="en-US" smtClean="0"/>
               <a:t>第五级</a:t>
             </a:r>
             <a:endParaRPr kumimoji="0" lang="en-US"/>
@@ -4213,11 +4229,11 @@
           </a:lstStyle>
           <a:p>
             <a:fld id="{530820CF-B880-4189-942D-D702A7CBA730}" type="datetimeFigureOut">
-              <a:rPr lang="zh-CN" altLang="en-US" smtClean="0"/>
+              <a:rPr lang="zh-CHS" altLang="en-US" smtClean="0"/>
               <a:pPr/>
-              <a:t>2015/3/9</a:t>
+              <a:t>15/3/16</a:t>
             </a:fld>
-            <a:endParaRPr lang="zh-CN" altLang="en-US"/>
+            <a:endParaRPr lang="zh-CHS" altLang="en-US"/>
           </a:p>
         </p:txBody>
       </p:sp>
@@ -4253,7 +4269,7 @@
             <a:extLst/>
           </a:lstStyle>
           <a:p>
-            <a:endParaRPr lang="zh-CN" altLang="en-US"/>
+            <a:endParaRPr lang="zh-CHS" altLang="en-US"/>
           </a:p>
         </p:txBody>
       </p:sp>
@@ -4290,11 +4306,11 @@
           </a:lstStyle>
           <a:p>
             <a:fld id="{0C913308-F349-4B6D-A68A-DD1791B4A57B}" type="slidenum">
-              <a:rPr lang="zh-CN" altLang="en-US" smtClean="0"/>
+              <a:rPr lang="zh-CHS" altLang="en-US" smtClean="0"/>
               <a:pPr/>
               <a:t>‹#›</a:t>
             </a:fld>
-            <a:endParaRPr lang="zh-CN" altLang="en-US"/>
+            <a:endParaRPr lang="zh-CHS" altLang="en-US"/>
           </a:p>
         </p:txBody>
       </p:sp>
@@ -4644,10 +4660,10 @@
           <a:lstStyle/>
           <a:p>
             <a:r>
-              <a:rPr lang="en-US" altLang="zh-CN" dirty="0" smtClean="0"/>
+              <a:rPr lang="en-US" altLang="zh-CHS" dirty="0" smtClean="0"/>
               <a:t>OpenGL Programming</a:t>
             </a:r>
-            <a:endParaRPr lang="zh-CN" altLang="en-US" dirty="0"/>
+            <a:endParaRPr lang="zh-CHS" altLang="en-US" dirty="0"/>
           </a:p>
         </p:txBody>
       </p:sp>
@@ -4674,39 +4690,39 @@
           <a:lstStyle/>
           <a:p>
             <a:r>
-              <a:rPr lang="en-US" altLang="zh-CN" dirty="0" err="1" smtClean="0"/>
+              <a:rPr lang="en-US" altLang="zh-CHS" dirty="0" err="1" smtClean="0"/>
               <a:t>Chunxu</a:t>
             </a:r>
             <a:r>
-              <a:rPr lang="en-US" altLang="zh-CN" dirty="0" smtClean="0"/>
+              <a:rPr lang="en-US" altLang="zh-CHS" dirty="0" smtClean="0"/>
               <a:t> </a:t>
             </a:r>
             <a:r>
-              <a:rPr lang="en-US" altLang="zh-CN" dirty="0" err="1" smtClean="0"/>
+              <a:rPr lang="en-US" altLang="zh-CHS" dirty="0" err="1" smtClean="0"/>
               <a:t>Xu</a:t>
             </a:r>
-            <a:endParaRPr lang="en-US" altLang="zh-CN" dirty="0" smtClean="0"/>
-          </a:p>
-          <a:p>
-            <a:r>
-              <a:rPr lang="en-US" altLang="zh-CN" smtClean="0"/>
+            <a:endParaRPr lang="en-US" altLang="zh-CHS" dirty="0" smtClean="0"/>
+          </a:p>
+          <a:p>
+            <a:r>
+              <a:rPr lang="en-US" altLang="zh-CHS" smtClean="0"/>
               <a:t>E-mail</a:t>
             </a:r>
             <a:r>
-              <a:rPr lang="en-US" altLang="zh-CN" dirty="0" smtClean="0"/>
+              <a:rPr lang="en-US" altLang="zh-CHS" dirty="0" smtClean="0"/>
               <a:t>: xu-cx12@mails.tsinghua.edu.cn</a:t>
             </a:r>
           </a:p>
           <a:p>
             <a:r>
-              <a:rPr lang="en-US" altLang="zh-CN" dirty="0" err="1" smtClean="0"/>
+              <a:rPr lang="en-US" altLang="zh-CHS" dirty="0" err="1" smtClean="0"/>
               <a:t>Cellphone</a:t>
             </a:r>
             <a:r>
-              <a:rPr lang="en-US" altLang="zh-CN" dirty="0" smtClean="0"/>
+              <a:rPr lang="en-US" altLang="zh-CHS" dirty="0" smtClean="0"/>
               <a:t>: 15120003845</a:t>
             </a:r>
-            <a:endParaRPr lang="zh-CN" altLang="en-US" dirty="0"/>
+            <a:endParaRPr lang="zh-CHS" altLang="en-US" dirty="0"/>
           </a:p>
         </p:txBody>
       </p:sp>
@@ -4758,60 +4774,60 @@
           <a:lstStyle/>
           <a:p>
             <a:r>
-              <a:rPr lang="en-US" altLang="zh-CN" dirty="0" smtClean="0"/>
+              <a:rPr lang="en-US" altLang="zh-CHS" dirty="0" smtClean="0"/>
               <a:t>Main structure of a basic program</a:t>
             </a:r>
           </a:p>
           <a:p>
             <a:pPr lvl="1"/>
             <a:r>
-              <a:rPr lang="en-US" altLang="zh-CN" dirty="0" smtClean="0"/>
+              <a:rPr lang="en-US" altLang="zh-CHS" dirty="0" smtClean="0"/>
               <a:t>Main function</a:t>
             </a:r>
           </a:p>
           <a:p>
             <a:pPr lvl="2"/>
             <a:r>
-              <a:rPr lang="en-US" altLang="zh-CN" dirty="0" smtClean="0"/>
+              <a:rPr lang="en-US" altLang="zh-CHS" dirty="0" smtClean="0"/>
               <a:t>Set properties of the window</a:t>
             </a:r>
           </a:p>
           <a:p>
             <a:pPr lvl="2"/>
             <a:r>
-              <a:rPr lang="en-US" altLang="zh-CN" dirty="0" smtClean="0"/>
+              <a:rPr lang="en-US" altLang="zh-CHS" dirty="0" smtClean="0"/>
               <a:t>Register the functions</a:t>
             </a:r>
           </a:p>
           <a:p>
             <a:pPr lvl="2"/>
-            <a:endParaRPr lang="en-US" altLang="zh-CN" dirty="0" smtClean="0"/>
+            <a:endParaRPr lang="en-US" altLang="zh-CHS" dirty="0" smtClean="0"/>
           </a:p>
           <a:p>
             <a:pPr lvl="1"/>
             <a:r>
-              <a:rPr lang="en-US" altLang="zh-CN" dirty="0" smtClean="0"/>
+              <a:rPr lang="en-US" altLang="zh-CHS" dirty="0" smtClean="0"/>
               <a:t>Implement all the functions</a:t>
             </a:r>
           </a:p>
           <a:p>
             <a:pPr lvl="2"/>
             <a:r>
-              <a:rPr lang="en-US" altLang="zh-CN" dirty="0" smtClean="0"/>
+              <a:rPr lang="en-US" altLang="zh-CHS" dirty="0" smtClean="0"/>
               <a:t>Respond to resize the window size</a:t>
             </a:r>
           </a:p>
           <a:p>
             <a:pPr lvl="2"/>
             <a:r>
-              <a:rPr lang="en-US" altLang="zh-CN" dirty="0" smtClean="0"/>
+              <a:rPr lang="en-US" altLang="zh-CHS" dirty="0" smtClean="0"/>
               <a:t>Rendering</a:t>
             </a:r>
           </a:p>
           <a:p>
             <a:pPr lvl="2"/>
             <a:r>
-              <a:rPr lang="en-US" altLang="zh-CN" dirty="0" smtClean="0"/>
+              <a:rPr lang="en-US" altLang="zh-CHS" dirty="0" smtClean="0"/>
               <a:t>Responding to keyboard/mouse</a:t>
             </a:r>
           </a:p>
@@ -4835,10 +4851,10 @@
           <a:lstStyle/>
           <a:p>
             <a:r>
-              <a:rPr lang="en-US" altLang="zh-CN" sz="4000" dirty="0" smtClean="0"/>
+              <a:rPr lang="en-US" altLang="zh-CHS" sz="4000" dirty="0" smtClean="0"/>
               <a:t>Using GLUT</a:t>
             </a:r>
-            <a:endParaRPr lang="zh-CN" altLang="en-US" sz="4000" dirty="0"/>
+            <a:endParaRPr lang="zh-CHS" altLang="en-US" sz="4000" dirty="0"/>
           </a:p>
         </p:txBody>
       </p:sp>
@@ -4890,76 +4906,76 @@
           <a:lstStyle/>
           <a:p>
             <a:r>
-              <a:rPr lang="en-US" altLang="zh-CN" dirty="0" smtClean="0"/>
+              <a:rPr lang="en-US" altLang="zh-CHS" dirty="0" smtClean="0"/>
               <a:t>Main function</a:t>
             </a:r>
           </a:p>
           <a:p>
             <a:pPr lvl="1"/>
             <a:r>
-              <a:rPr lang="en-US" altLang="zh-CN" b="1" dirty="0" err="1" smtClean="0"/>
+              <a:rPr lang="en-US" altLang="zh-CHS" b="1" dirty="0" err="1" smtClean="0"/>
               <a:t>glutInit</a:t>
             </a:r>
             <a:r>
-              <a:rPr lang="en-US" altLang="zh-CN" b="1" dirty="0" smtClean="0"/>
+              <a:rPr lang="en-US" altLang="zh-CHS" b="1" dirty="0" smtClean="0"/>
               <a:t>(&amp;</a:t>
             </a:r>
             <a:r>
-              <a:rPr lang="en-US" altLang="zh-CN" b="1" dirty="0" err="1" smtClean="0"/>
+              <a:rPr lang="en-US" altLang="zh-CHS" b="1" dirty="0" err="1" smtClean="0"/>
               <a:t>argc</a:t>
             </a:r>
             <a:r>
-              <a:rPr lang="en-US" altLang="zh-CN" b="1" dirty="0" smtClean="0"/>
+              <a:rPr lang="en-US" altLang="zh-CHS" b="1" dirty="0" smtClean="0"/>
               <a:t>, </a:t>
             </a:r>
             <a:r>
-              <a:rPr lang="en-US" altLang="zh-CN" b="1" dirty="0" err="1" smtClean="0"/>
+              <a:rPr lang="en-US" altLang="zh-CHS" b="1" dirty="0" err="1" smtClean="0"/>
               <a:t>argv</a:t>
             </a:r>
             <a:r>
-              <a:rPr lang="en-US" altLang="zh-CN" b="1" dirty="0" smtClean="0"/>
+              <a:rPr lang="en-US" altLang="zh-CHS" b="1" dirty="0" smtClean="0"/>
               <a:t>)</a:t>
             </a:r>
           </a:p>
           <a:p>
             <a:pPr lvl="1"/>
-            <a:endParaRPr lang="en-US" altLang="zh-CN" dirty="0" smtClean="0"/>
+            <a:endParaRPr lang="en-US" altLang="zh-CHS" dirty="0" smtClean="0"/>
           </a:p>
           <a:p>
             <a:pPr lvl="1"/>
             <a:r>
-              <a:rPr lang="en-US" altLang="zh-CN" b="1" dirty="0" err="1" smtClean="0"/>
+              <a:rPr lang="en-US" altLang="zh-CHS" b="1" dirty="0" err="1" smtClean="0"/>
               <a:t>glutInitDisplayMode</a:t>
             </a:r>
             <a:r>
-              <a:rPr lang="en-US" altLang="zh-CN" b="1" dirty="0" smtClean="0"/>
+              <a:rPr lang="en-US" altLang="zh-CHS" b="1" dirty="0" smtClean="0"/>
               <a:t>(GLUT_DOUBLE | GLUT_RGBA | GLUT_DEPTH)</a:t>
             </a:r>
           </a:p>
           <a:p>
             <a:pPr lvl="2"/>
             <a:r>
-              <a:rPr lang="en-US" altLang="zh-CN" dirty="0" smtClean="0"/>
+              <a:rPr lang="en-US" altLang="zh-CHS" dirty="0" smtClean="0"/>
               <a:t>GLUT_DOUBLE — Double buffers</a:t>
             </a:r>
           </a:p>
           <a:p>
             <a:pPr lvl="2"/>
             <a:r>
-              <a:rPr lang="en-US" altLang="zh-CN" dirty="0" smtClean="0"/>
+              <a:rPr lang="en-US" altLang="zh-CHS" dirty="0" smtClean="0"/>
               <a:t>GLUT_RGBA — Color mode</a:t>
             </a:r>
           </a:p>
           <a:p>
             <a:pPr lvl="2"/>
             <a:r>
-              <a:rPr lang="en-US" altLang="zh-CN" dirty="0" smtClean="0"/>
+              <a:rPr lang="en-US" altLang="zh-CHS" dirty="0" smtClean="0"/>
               <a:t>GLUT_DEPTH — Depth buffer</a:t>
             </a:r>
           </a:p>
           <a:p>
             <a:pPr lvl="2"/>
-            <a:endParaRPr lang="en-US" altLang="zh-CN" dirty="0" smtClean="0"/>
+            <a:endParaRPr lang="en-US" altLang="zh-CHS" dirty="0" smtClean="0"/>
           </a:p>
         </p:txBody>
       </p:sp>
@@ -4981,10 +4997,10 @@
           <a:lstStyle/>
           <a:p>
             <a:r>
-              <a:rPr lang="en-US" altLang="zh-CN" sz="4000" dirty="0" smtClean="0"/>
+              <a:rPr lang="en-US" altLang="zh-CHS" sz="4000" dirty="0" smtClean="0"/>
               <a:t>Using GLUT</a:t>
             </a:r>
-            <a:endParaRPr lang="zh-CN" altLang="en-US" sz="4000" dirty="0"/>
+            <a:endParaRPr lang="zh-CHS" altLang="en-US" sz="4000" dirty="0"/>
           </a:p>
         </p:txBody>
       </p:sp>
@@ -5036,102 +5052,102 @@
           <a:lstStyle/>
           <a:p>
             <a:r>
-              <a:rPr lang="en-US" altLang="zh-CN" dirty="0" smtClean="0"/>
+              <a:rPr lang="en-US" altLang="zh-CHS" dirty="0" smtClean="0"/>
               <a:t>Main function</a:t>
             </a:r>
           </a:p>
           <a:p>
             <a:pPr lvl="1"/>
             <a:r>
-              <a:rPr lang="en-US" altLang="zh-CN" b="1" dirty="0" err="1" smtClean="0"/>
+              <a:rPr lang="en-US" altLang="zh-CHS" b="1" dirty="0" err="1" smtClean="0"/>
               <a:t>glutInitWindowSize</a:t>
             </a:r>
             <a:r>
-              <a:rPr lang="en-US" altLang="zh-CN" b="1" dirty="0" smtClean="0"/>
+              <a:rPr lang="en-US" altLang="zh-CHS" b="1" dirty="0" smtClean="0"/>
               <a:t>(</a:t>
             </a:r>
             <a:r>
-              <a:rPr lang="en-US" altLang="zh-CN" b="1" i="1" dirty="0" smtClean="0"/>
+              <a:rPr lang="en-US" altLang="zh-CHS" b="1" i="1" dirty="0" smtClean="0"/>
               <a:t>width,</a:t>
             </a:r>
             <a:r>
-              <a:rPr lang="en-US" altLang="zh-CN" b="1" dirty="0" smtClean="0"/>
+              <a:rPr lang="en-US" altLang="zh-CHS" b="1" dirty="0" smtClean="0"/>
               <a:t> </a:t>
             </a:r>
             <a:r>
-              <a:rPr lang="en-US" altLang="zh-CN" b="1" i="1" dirty="0" smtClean="0"/>
+              <a:rPr lang="en-US" altLang="zh-CHS" b="1" i="1" dirty="0" smtClean="0"/>
               <a:t>height</a:t>
             </a:r>
             <a:r>
-              <a:rPr lang="en-US" altLang="zh-CN" b="1" dirty="0" smtClean="0"/>
+              <a:rPr lang="en-US" altLang="zh-CHS" b="1" dirty="0" smtClean="0"/>
               <a:t>)</a:t>
             </a:r>
           </a:p>
           <a:p>
             <a:pPr lvl="1"/>
-            <a:endParaRPr lang="en-US" altLang="zh-CN" dirty="0" smtClean="0"/>
+            <a:endParaRPr lang="en-US" altLang="zh-CHS" dirty="0" smtClean="0"/>
           </a:p>
           <a:p>
             <a:pPr lvl="1"/>
             <a:r>
-              <a:rPr lang="en-US" altLang="zh-CN" b="1" dirty="0" err="1" smtClean="0"/>
+              <a:rPr lang="en-US" altLang="zh-CHS" b="1" dirty="0" err="1" smtClean="0"/>
               <a:t>glutInitWindowPosition</a:t>
             </a:r>
             <a:r>
-              <a:rPr lang="en-US" altLang="zh-CN" b="1" dirty="0" smtClean="0"/>
+              <a:rPr lang="en-US" altLang="zh-CHS" b="1" dirty="0" smtClean="0"/>
               <a:t>(</a:t>
             </a:r>
             <a:r>
-              <a:rPr lang="en-US" altLang="zh-CN" b="1" i="1" dirty="0" err="1" smtClean="0"/>
+              <a:rPr lang="en-US" altLang="zh-CHS" b="1" i="1" dirty="0" err="1" smtClean="0"/>
               <a:t>x_pos</a:t>
             </a:r>
             <a:r>
-              <a:rPr lang="en-US" altLang="zh-CN" b="1" dirty="0" smtClean="0"/>
+              <a:rPr lang="en-US" altLang="zh-CHS" b="1" dirty="0" smtClean="0"/>
               <a:t>, </a:t>
             </a:r>
             <a:r>
-              <a:rPr lang="en-US" altLang="zh-CN" b="1" i="1" dirty="0" err="1" smtClean="0"/>
+              <a:rPr lang="en-US" altLang="zh-CHS" b="1" i="1" dirty="0" err="1" smtClean="0"/>
               <a:t>y_pos</a:t>
             </a:r>
             <a:r>
-              <a:rPr lang="en-US" altLang="zh-CN" b="1" dirty="0" smtClean="0"/>
+              <a:rPr lang="en-US" altLang="zh-CHS" b="1" dirty="0" smtClean="0"/>
               <a:t>)</a:t>
             </a:r>
           </a:p>
           <a:p>
             <a:pPr lvl="2"/>
             <a:r>
-              <a:rPr lang="en-US" altLang="zh-CN" dirty="0" smtClean="0"/>
+              <a:rPr lang="en-US" altLang="zh-CHS" dirty="0" smtClean="0"/>
               <a:t>Origin — left, top of the screen</a:t>
             </a:r>
           </a:p>
           <a:p>
             <a:pPr lvl="1"/>
-            <a:endParaRPr lang="en-US" altLang="zh-CN" dirty="0" smtClean="0"/>
+            <a:endParaRPr lang="en-US" altLang="zh-CHS" dirty="0" smtClean="0"/>
           </a:p>
           <a:p>
             <a:pPr lvl="1"/>
             <a:r>
-              <a:rPr lang="en-US" altLang="zh-CN" b="1" dirty="0" err="1" smtClean="0"/>
+              <a:rPr lang="en-US" altLang="zh-CHS" b="1" dirty="0" err="1" smtClean="0"/>
               <a:t>glutCreateWindow</a:t>
             </a:r>
             <a:r>
-              <a:rPr lang="en-US" altLang="zh-CN" b="1" dirty="0" smtClean="0"/>
+              <a:rPr lang="en-US" altLang="zh-CHS" b="1" dirty="0" smtClean="0"/>
               <a:t>(“</a:t>
             </a:r>
             <a:r>
-              <a:rPr lang="en-US" altLang="zh-CN" b="1" i="1" dirty="0" smtClean="0"/>
+              <a:rPr lang="en-US" altLang="zh-CHS" b="1" i="1" dirty="0" smtClean="0"/>
               <a:t>The title</a:t>
             </a:r>
             <a:r>
-              <a:rPr lang="en-US" altLang="zh-CN" b="1" dirty="0" smtClean="0"/>
+              <a:rPr lang="en-US" altLang="zh-CHS" b="1" dirty="0" smtClean="0"/>
               <a:t>”)</a:t>
             </a:r>
           </a:p>
           <a:p>
             <a:pPr lvl="2"/>
             <a:r>
-              <a:rPr lang="en-US" altLang="zh-CN" dirty="0" smtClean="0"/>
+              <a:rPr lang="en-US" altLang="zh-CHS" dirty="0" smtClean="0"/>
               <a:t>Return a handle of the window, maybe it’s useful somewhere</a:t>
             </a:r>
           </a:p>
@@ -5155,10 +5171,10 @@
           <a:lstStyle/>
           <a:p>
             <a:r>
-              <a:rPr lang="en-US" altLang="zh-CN" sz="4000" dirty="0" smtClean="0"/>
+              <a:rPr lang="en-US" altLang="zh-CHS" sz="4000" dirty="0" smtClean="0"/>
               <a:t>Using GLUT</a:t>
             </a:r>
-            <a:endParaRPr lang="zh-CN" altLang="en-US" sz="4000" dirty="0"/>
+            <a:endParaRPr lang="zh-CHS" altLang="en-US" sz="4000" dirty="0"/>
           </a:p>
         </p:txBody>
       </p:sp>
@@ -5210,106 +5226,106 @@
           <a:lstStyle/>
           <a:p>
             <a:r>
-              <a:rPr lang="en-US" altLang="zh-CN" dirty="0" smtClean="0"/>
+              <a:rPr lang="en-US" altLang="zh-CHS" dirty="0" smtClean="0"/>
               <a:t>Main function</a:t>
             </a:r>
           </a:p>
           <a:p>
             <a:pPr lvl="1"/>
             <a:r>
-              <a:rPr lang="en-US" altLang="zh-CN" b="1" dirty="0" err="1" smtClean="0"/>
+              <a:rPr lang="en-US" altLang="zh-CHS" b="1" dirty="0" err="1" smtClean="0"/>
               <a:t>glutDisplayFunc</a:t>
             </a:r>
             <a:r>
-              <a:rPr lang="en-US" altLang="zh-CN" b="1" dirty="0" smtClean="0"/>
+              <a:rPr lang="en-US" altLang="zh-CHS" b="1" dirty="0" smtClean="0"/>
               <a:t>(</a:t>
             </a:r>
             <a:r>
-              <a:rPr lang="en-US" altLang="zh-CN" b="1" i="1" dirty="0" smtClean="0"/>
+              <a:rPr lang="en-US" altLang="zh-CHS" b="1" i="1" dirty="0" smtClean="0"/>
               <a:t>your display function</a:t>
             </a:r>
             <a:r>
-              <a:rPr lang="en-US" altLang="zh-CN" b="1" dirty="0" smtClean="0"/>
+              <a:rPr lang="en-US" altLang="zh-CHS" b="1" dirty="0" smtClean="0"/>
               <a:t>)</a:t>
             </a:r>
           </a:p>
           <a:p>
             <a:pPr lvl="2"/>
             <a:r>
-              <a:rPr lang="en-US" altLang="zh-CN" dirty="0" smtClean="0"/>
+              <a:rPr lang="en-US" altLang="zh-CHS" dirty="0" smtClean="0"/>
               <a:t>Register the rendering function</a:t>
             </a:r>
           </a:p>
           <a:p>
             <a:pPr lvl="2"/>
-            <a:endParaRPr lang="en-US" altLang="zh-CN" dirty="0" smtClean="0"/>
+            <a:endParaRPr lang="en-US" altLang="zh-CHS" dirty="0" smtClean="0"/>
           </a:p>
           <a:p>
             <a:pPr lvl="1"/>
             <a:r>
-              <a:rPr lang="en-US" altLang="zh-CN" b="1" dirty="0" err="1" smtClean="0"/>
+              <a:rPr lang="en-US" altLang="zh-CHS" b="1" dirty="0" err="1" smtClean="0"/>
               <a:t>glutReshapeFunc</a:t>
             </a:r>
             <a:r>
-              <a:rPr lang="en-US" altLang="zh-CN" b="1" dirty="0" smtClean="0"/>
+              <a:rPr lang="en-US" altLang="zh-CHS" b="1" dirty="0" smtClean="0"/>
               <a:t>(</a:t>
             </a:r>
             <a:r>
-              <a:rPr lang="en-US" altLang="zh-CN" b="1" i="1" dirty="0" smtClean="0"/>
+              <a:rPr lang="en-US" altLang="zh-CHS" b="1" i="1" dirty="0" smtClean="0"/>
               <a:t>your reshape function</a:t>
             </a:r>
             <a:r>
-              <a:rPr lang="en-US" altLang="zh-CN" b="1" dirty="0" smtClean="0"/>
+              <a:rPr lang="en-US" altLang="zh-CHS" b="1" dirty="0" smtClean="0"/>
               <a:t>)</a:t>
             </a:r>
           </a:p>
           <a:p>
             <a:pPr lvl="2"/>
             <a:r>
-              <a:rPr lang="en-US" altLang="zh-CN" dirty="0" smtClean="0"/>
+              <a:rPr lang="en-US" altLang="zh-CHS" dirty="0" smtClean="0"/>
               <a:t>Register the reshaping function</a:t>
             </a:r>
           </a:p>
           <a:p>
             <a:pPr lvl="2"/>
             <a:r>
-              <a:rPr lang="en-US" altLang="zh-CN" dirty="0" smtClean="0"/>
+              <a:rPr lang="en-US" altLang="zh-CHS" dirty="0" smtClean="0"/>
               <a:t>Called when the window’s size is changed</a:t>
             </a:r>
           </a:p>
           <a:p>
             <a:pPr lvl="2"/>
-            <a:endParaRPr lang="en-US" altLang="zh-CN" dirty="0" smtClean="0"/>
+            <a:endParaRPr lang="en-US" altLang="zh-CHS" dirty="0" smtClean="0"/>
           </a:p>
           <a:p>
             <a:pPr lvl="1"/>
             <a:r>
-              <a:rPr lang="en-US" altLang="zh-CN" b="1" dirty="0" err="1" smtClean="0"/>
+              <a:rPr lang="en-US" altLang="zh-CHS" b="1" dirty="0" err="1" smtClean="0"/>
               <a:t>glutKeyboardFunc</a:t>
             </a:r>
             <a:r>
-              <a:rPr lang="en-US" altLang="zh-CN" b="1" dirty="0" smtClean="0"/>
+              <a:rPr lang="en-US" altLang="zh-CHS" b="1" dirty="0" smtClean="0"/>
               <a:t>(</a:t>
             </a:r>
             <a:r>
-              <a:rPr lang="en-US" altLang="zh-CN" b="1" i="1" dirty="0" smtClean="0"/>
+              <a:rPr lang="en-US" altLang="zh-CHS" b="1" i="1" dirty="0" smtClean="0"/>
               <a:t>your keyboard function</a:t>
             </a:r>
             <a:r>
-              <a:rPr lang="en-US" altLang="zh-CN" b="1" dirty="0" smtClean="0"/>
+              <a:rPr lang="en-US" altLang="zh-CHS" b="1" dirty="0" smtClean="0"/>
               <a:t>)</a:t>
             </a:r>
           </a:p>
           <a:p>
             <a:pPr lvl="2"/>
             <a:r>
-              <a:rPr lang="en-US" altLang="zh-CN" dirty="0" smtClean="0"/>
+              <a:rPr lang="en-US" altLang="zh-CHS" dirty="0" smtClean="0"/>
               <a:t>Register the keyboard function</a:t>
             </a:r>
           </a:p>
           <a:p>
             <a:pPr lvl="2"/>
-            <a:endParaRPr lang="en-US" altLang="zh-CN" dirty="0" smtClean="0"/>
+            <a:endParaRPr lang="en-US" altLang="zh-CHS" dirty="0" smtClean="0"/>
           </a:p>
         </p:txBody>
       </p:sp>
@@ -5331,10 +5347,10 @@
           <a:lstStyle/>
           <a:p>
             <a:r>
-              <a:rPr lang="en-US" altLang="zh-CN" sz="4000" dirty="0" smtClean="0"/>
+              <a:rPr lang="en-US" altLang="zh-CHS" sz="4000" dirty="0" smtClean="0"/>
               <a:t>Using GLUT</a:t>
             </a:r>
-            <a:endParaRPr lang="zh-CN" altLang="en-US" sz="4000" dirty="0"/>
+            <a:endParaRPr lang="zh-CHS" altLang="en-US" sz="4000" dirty="0"/>
           </a:p>
         </p:txBody>
       </p:sp>
@@ -5386,36 +5402,36 @@
           <a:lstStyle/>
           <a:p>
             <a:r>
-              <a:rPr lang="en-US" altLang="zh-CN" dirty="0" smtClean="0"/>
+              <a:rPr lang="en-US" altLang="zh-CHS" dirty="0" smtClean="0"/>
               <a:t>Main function</a:t>
             </a:r>
           </a:p>
           <a:p>
             <a:pPr lvl="1"/>
             <a:r>
-              <a:rPr lang="en-US" altLang="zh-CN" b="1" dirty="0" err="1" smtClean="0"/>
+              <a:rPr lang="en-US" altLang="zh-CHS" b="1" dirty="0" err="1" smtClean="0"/>
               <a:t>glutMainLoop</a:t>
             </a:r>
             <a:r>
-              <a:rPr lang="en-US" altLang="zh-CN" b="1" dirty="0" smtClean="0"/>
+              <a:rPr lang="en-US" altLang="zh-CHS" b="1" dirty="0" smtClean="0"/>
               <a:t>()</a:t>
             </a:r>
           </a:p>
           <a:p>
             <a:pPr lvl="2"/>
             <a:r>
-              <a:rPr lang="en-US" altLang="zh-CN" dirty="0" smtClean="0"/>
+              <a:rPr lang="en-US" altLang="zh-CHS" dirty="0" smtClean="0"/>
               <a:t>The main loop</a:t>
             </a:r>
           </a:p>
           <a:p>
             <a:pPr lvl="2"/>
-            <a:endParaRPr lang="en-US" altLang="zh-CN" dirty="0" smtClean="0"/>
+            <a:endParaRPr lang="en-US" altLang="zh-CHS" dirty="0" smtClean="0"/>
           </a:p>
           <a:p>
             <a:pPr lvl="1"/>
             <a:r>
-              <a:rPr lang="en-US" altLang="zh-CN" dirty="0" smtClean="0"/>
+              <a:rPr lang="en-US" altLang="zh-CHS" dirty="0" smtClean="0"/>
               <a:t>Before the loop, some initialization is needed…</a:t>
             </a:r>
           </a:p>
@@ -5439,10 +5455,10 @@
           <a:lstStyle/>
           <a:p>
             <a:r>
-              <a:rPr lang="en-US" altLang="zh-CN" sz="4000" dirty="0" smtClean="0"/>
+              <a:rPr lang="en-US" altLang="zh-CHS" sz="4000" dirty="0" smtClean="0"/>
               <a:t>Using GLUT</a:t>
             </a:r>
-            <a:endParaRPr lang="zh-CN" altLang="en-US" sz="4000" dirty="0"/>
+            <a:endParaRPr lang="zh-CHS" altLang="en-US" sz="4000" dirty="0"/>
           </a:p>
         </p:txBody>
       </p:sp>
@@ -5494,90 +5510,90 @@
           <a:lstStyle/>
           <a:p>
             <a:r>
-              <a:rPr lang="en-US" altLang="zh-CN" dirty="0" smtClean="0"/>
+              <a:rPr lang="en-US" altLang="zh-CHS" dirty="0" smtClean="0"/>
               <a:t>Main function</a:t>
             </a:r>
           </a:p>
           <a:p>
             <a:pPr lvl="1"/>
             <a:r>
-              <a:rPr lang="en-US" altLang="zh-CN" b="1" dirty="0" err="1" smtClean="0"/>
+              <a:rPr lang="en-US" altLang="zh-CHS" b="1" dirty="0" err="1" smtClean="0"/>
               <a:t>glClearColor</a:t>
             </a:r>
             <a:r>
-              <a:rPr lang="en-US" altLang="zh-CN" b="1" dirty="0" smtClean="0"/>
+              <a:rPr lang="en-US" altLang="zh-CHS" b="1" dirty="0" smtClean="0"/>
               <a:t>(</a:t>
             </a:r>
             <a:r>
-              <a:rPr lang="en-US" altLang="zh-CN" b="1" i="1" dirty="0" err="1" smtClean="0"/>
+              <a:rPr lang="en-US" altLang="zh-CHS" b="1" i="1" dirty="0" err="1" smtClean="0"/>
               <a:t>color_r</a:t>
             </a:r>
             <a:r>
-              <a:rPr lang="en-US" altLang="zh-CN" b="1" i="1" dirty="0" smtClean="0"/>
+              <a:rPr lang="en-US" altLang="zh-CHS" b="1" i="1" dirty="0" smtClean="0"/>
               <a:t>, </a:t>
             </a:r>
             <a:r>
-              <a:rPr lang="en-US" altLang="zh-CN" b="1" i="1" dirty="0" err="1" smtClean="0"/>
+              <a:rPr lang="en-US" altLang="zh-CHS" b="1" i="1" dirty="0" err="1" smtClean="0"/>
               <a:t>color_g</a:t>
             </a:r>
             <a:r>
-              <a:rPr lang="en-US" altLang="zh-CN" b="1" i="1" dirty="0" smtClean="0"/>
+              <a:rPr lang="en-US" altLang="zh-CHS" b="1" i="1" dirty="0" smtClean="0"/>
               <a:t>, </a:t>
             </a:r>
             <a:r>
-              <a:rPr lang="en-US" altLang="zh-CN" b="1" i="1" dirty="0" err="1" smtClean="0"/>
+              <a:rPr lang="en-US" altLang="zh-CHS" b="1" i="1" dirty="0" err="1" smtClean="0"/>
               <a:t>color_b</a:t>
             </a:r>
             <a:r>
-              <a:rPr lang="en-US" altLang="zh-CN" b="1" i="1" dirty="0" smtClean="0"/>
+              <a:rPr lang="en-US" altLang="zh-CHS" b="1" i="1" dirty="0" smtClean="0"/>
               <a:t>, alpha</a:t>
             </a:r>
             <a:r>
-              <a:rPr lang="en-US" altLang="zh-CN" b="1" dirty="0" smtClean="0"/>
+              <a:rPr lang="en-US" altLang="zh-CHS" b="1" dirty="0" smtClean="0"/>
               <a:t>)</a:t>
             </a:r>
           </a:p>
           <a:p>
             <a:pPr lvl="2"/>
             <a:r>
-              <a:rPr lang="en-US" altLang="zh-CN" dirty="0" smtClean="0"/>
+              <a:rPr lang="en-US" altLang="zh-CHS" dirty="0" smtClean="0"/>
               <a:t>set the clear color</a:t>
             </a:r>
           </a:p>
           <a:p>
             <a:pPr lvl="2"/>
-            <a:endParaRPr lang="en-US" altLang="zh-CN" dirty="0" smtClean="0"/>
+            <a:endParaRPr lang="en-US" altLang="zh-CHS" dirty="0" smtClean="0"/>
           </a:p>
           <a:p>
             <a:pPr lvl="1"/>
             <a:r>
-              <a:rPr lang="en-US" altLang="zh-CN" b="1" dirty="0" err="1" smtClean="0"/>
+              <a:rPr lang="en-US" altLang="zh-CHS" b="1" dirty="0" err="1" smtClean="0"/>
               <a:t>glClearDepth</a:t>
             </a:r>
             <a:r>
-              <a:rPr lang="en-US" altLang="zh-CN" b="1" dirty="0" smtClean="0"/>
+              <a:rPr lang="en-US" altLang="zh-CHS" b="1" dirty="0" smtClean="0"/>
               <a:t>(</a:t>
             </a:r>
             <a:r>
-              <a:rPr lang="en-US" altLang="zh-CN" b="1" i="1" dirty="0" smtClean="0"/>
+              <a:rPr lang="en-US" altLang="zh-CHS" b="1" i="1" dirty="0" smtClean="0"/>
               <a:t>default depth value</a:t>
             </a:r>
             <a:r>
-              <a:rPr lang="en-US" altLang="zh-CN" b="1" dirty="0" smtClean="0"/>
+              <a:rPr lang="en-US" altLang="zh-CHS" b="1" dirty="0" smtClean="0"/>
               <a:t>)</a:t>
             </a:r>
           </a:p>
           <a:p>
             <a:pPr lvl="2"/>
             <a:r>
-              <a:rPr lang="en-US" altLang="zh-CN" dirty="0" smtClean="0"/>
+              <a:rPr lang="en-US" altLang="zh-CHS" dirty="0" smtClean="0"/>
               <a:t>0.0~1.0</a:t>
             </a:r>
           </a:p>
           <a:p>
             <a:pPr lvl="2"/>
             <a:r>
-              <a:rPr lang="en-US" altLang="zh-CN" dirty="0" smtClean="0"/>
+              <a:rPr lang="en-US" altLang="zh-CHS" dirty="0" smtClean="0"/>
               <a:t>usually set with the biggest value, i.e. 1.0</a:t>
             </a:r>
           </a:p>
@@ -5601,10 +5617,10 @@
           <a:lstStyle/>
           <a:p>
             <a:r>
-              <a:rPr lang="en-US" altLang="zh-CN" sz="4000" dirty="0" smtClean="0"/>
+              <a:rPr lang="en-US" altLang="zh-CHS" sz="4000" dirty="0" smtClean="0"/>
               <a:t>Using GLUT</a:t>
             </a:r>
-            <a:endParaRPr lang="zh-CN" altLang="en-US" sz="4000" dirty="0"/>
+            <a:endParaRPr lang="zh-CHS" altLang="en-US" sz="4000" dirty="0"/>
           </a:p>
         </p:txBody>
       </p:sp>
@@ -5656,112 +5672,108 @@
           <a:lstStyle/>
           <a:p>
             <a:r>
-              <a:rPr lang="en-US" altLang="zh-CN" dirty="0" smtClean="0"/>
+              <a:rPr lang="en-US" altLang="zh-CHS" dirty="0" smtClean="0"/>
               <a:t>Implement all the functions</a:t>
             </a:r>
           </a:p>
           <a:p>
             <a:pPr lvl="1"/>
             <a:r>
-              <a:rPr lang="en-US" altLang="zh-CN" i="1" dirty="0" smtClean="0"/>
-              <a:t>your </a:t>
-            </a:r>
-            <a:r>
-              <a:rPr lang="en-US" altLang="zh-CN" i="1" dirty="0" smtClean="0"/>
-              <a:t>reshape function</a:t>
+              <a:rPr lang="en-US" altLang="zh-CHS" i="1" dirty="0" smtClean="0"/>
+              <a:t>your reshape function</a:t>
             </a:r>
           </a:p>
           <a:p>
             <a:pPr lvl="2"/>
             <a:r>
-              <a:rPr lang="en-US" altLang="zh-CN" b="1" dirty="0" err="1" smtClean="0"/>
+              <a:rPr lang="en-US" altLang="zh-CHS" b="1" dirty="0" err="1" smtClean="0"/>
               <a:t>myReshape</a:t>
             </a:r>
             <a:r>
-              <a:rPr lang="en-US" altLang="zh-CN" b="1" dirty="0" smtClean="0"/>
+              <a:rPr lang="en-US" altLang="zh-CHS" b="1" dirty="0" smtClean="0"/>
               <a:t>(</a:t>
             </a:r>
             <a:r>
-              <a:rPr lang="en-US" altLang="zh-CN" b="1" dirty="0" err="1" smtClean="0"/>
+              <a:rPr lang="en-US" altLang="zh-CHS" b="1" dirty="0" err="1" smtClean="0"/>
               <a:t>int</a:t>
             </a:r>
             <a:r>
-              <a:rPr lang="en-US" altLang="zh-CN" b="1" dirty="0" smtClean="0"/>
+              <a:rPr lang="en-US" altLang="zh-CHS" b="1" dirty="0" smtClean="0"/>
               <a:t> width, </a:t>
             </a:r>
             <a:r>
-              <a:rPr lang="en-US" altLang="zh-CN" b="1" dirty="0" err="1" smtClean="0"/>
+              <a:rPr lang="en-US" altLang="zh-CHS" b="1" dirty="0" err="1" smtClean="0"/>
               <a:t>int</a:t>
             </a:r>
             <a:r>
-              <a:rPr lang="en-US" altLang="zh-CN" b="1" dirty="0" smtClean="0"/>
+              <a:rPr lang="en-US" altLang="zh-CHS" b="1" dirty="0" smtClean="0"/>
               <a:t> height)</a:t>
             </a:r>
           </a:p>
           <a:p>
             <a:pPr lvl="2"/>
-            <a:endParaRPr lang="en-US" altLang="zh-CN" dirty="0" smtClean="0"/>
+            <a:endParaRPr lang="en-US" altLang="zh-CHS" dirty="0" smtClean="0"/>
           </a:p>
           <a:p>
             <a:pPr lvl="2"/>
             <a:r>
-              <a:rPr lang="en-US" altLang="zh-CN" dirty="0" smtClean="0"/>
+              <a:rPr lang="en-US" altLang="zh-CHS" dirty="0" smtClean="0"/>
               <a:t>View port</a:t>
             </a:r>
           </a:p>
           <a:p>
             <a:pPr lvl="2"/>
             <a:r>
-              <a:rPr lang="en-US" altLang="zh-CN" dirty="0" smtClean="0"/>
+              <a:rPr lang="en-US" altLang="zh-CHS" dirty="0" smtClean="0"/>
               <a:t>Set initial matrixes</a:t>
             </a:r>
           </a:p>
           <a:p>
             <a:pPr lvl="3"/>
             <a:r>
-              <a:rPr lang="en-US" altLang="zh-CN" dirty="0" err="1" smtClean="0"/>
+              <a:rPr lang="en-US" altLang="zh-CHS" dirty="0" err="1" smtClean="0"/>
               <a:t>ModelView</a:t>
             </a:r>
             <a:r>
-              <a:rPr lang="en-US" altLang="zh-CN" dirty="0" smtClean="0"/>
+              <a:rPr lang="en-US" altLang="zh-CHS" dirty="0" smtClean="0"/>
               <a:t> Matrix</a:t>
             </a:r>
           </a:p>
           <a:p>
             <a:pPr lvl="3"/>
             <a:r>
-              <a:rPr lang="en-US" altLang="zh-CN" dirty="0" smtClean="0"/>
+              <a:rPr lang="en-US" altLang="zh-CHS" dirty="0" smtClean="0"/>
               <a:t>Projection Matrix</a:t>
             </a:r>
           </a:p>
           <a:p>
             <a:pPr lvl="3"/>
-            <a:endParaRPr lang="en-US" altLang="zh-CN" dirty="0" smtClean="0"/>
+            <a:endParaRPr lang="en-US" altLang="zh-CHS" dirty="0" smtClean="0"/>
           </a:p>
           <a:p>
             <a:pPr lvl="2"/>
             <a:r>
-              <a:rPr lang="en-US" altLang="zh-CN" dirty="0" smtClean="0"/>
+              <a:rPr lang="en-US" altLang="zh-CHS" dirty="0" smtClean="0"/>
               <a:t>These settings are important</a:t>
             </a:r>
           </a:p>
           <a:p>
             <a:pPr lvl="3"/>
             <a:r>
-              <a:rPr lang="en-US" altLang="zh-CN" dirty="0" smtClean="0"/>
+              <a:rPr lang="en-US" altLang="zh-CHS" dirty="0" smtClean="0"/>
               <a:t>but may be hard to understand now…</a:t>
             </a:r>
           </a:p>
           <a:p>
             <a:pPr lvl="3"/>
             <a:r>
-              <a:rPr lang="en-US" altLang="zh-CN" dirty="0" smtClean="0"/>
+              <a:rPr lang="en-US" altLang="zh-CHS" dirty="0" smtClean="0"/>
               <a:t>just follow these in the first several lessons</a:t>
             </a:r>
           </a:p>
           <a:p>
             <a:pPr lvl="1"/>
-            <a:endParaRPr lang="en-US" altLang="zh-CN" i="1" dirty="0" smtClean="0"/>
+            <a:endParaRPr lang="en-US" altLang="zh-CHS" i="1" dirty="0" smtClean="0"/>
           </a:p>
         </p:txBody>
       </p:sp>
@@ -5783,10 +5795,10 @@
           <a:lstStyle/>
           <a:p>
             <a:r>
-              <a:rPr lang="en-US" altLang="zh-CN" sz="4000" dirty="0" smtClean="0"/>
+              <a:rPr lang="en-US" altLang="zh-CHS" sz="4000" dirty="0" smtClean="0"/>
               <a:t>Using GLUT</a:t>
             </a:r>
-            <a:endParaRPr lang="zh-CN" altLang="en-US" sz="4000" dirty="0"/>
+            <a:endParaRPr lang="zh-CHS" altLang="en-US" sz="4000" dirty="0"/>
           </a:p>
         </p:txBody>
       </p:sp>
@@ -5838,79 +5850,70 @@
           <a:lstStyle/>
           <a:p>
             <a:r>
-              <a:rPr lang="en-US" altLang="zh-CN" dirty="0" smtClean="0"/>
+              <a:rPr lang="en-US" altLang="zh-CHS" dirty="0" smtClean="0"/>
               <a:t>Implement all the functions</a:t>
             </a:r>
           </a:p>
           <a:p>
             <a:pPr lvl="1"/>
             <a:r>
-              <a:rPr lang="en-US" altLang="zh-CN" b="1" dirty="0" err="1" smtClean="0"/>
+              <a:rPr lang="en-US" altLang="zh-CHS" b="1" dirty="0" err="1" smtClean="0"/>
               <a:t>glViewport</a:t>
             </a:r>
             <a:r>
-              <a:rPr lang="en-US" altLang="zh-CN" b="1" dirty="0" smtClean="0"/>
+              <a:rPr lang="en-US" altLang="zh-CHS" b="1" dirty="0" smtClean="0"/>
               <a:t>(</a:t>
             </a:r>
             <a:r>
-              <a:rPr lang="en-US" altLang="zh-CN" b="1" dirty="0" err="1" smtClean="0"/>
+              <a:rPr lang="en-US" altLang="zh-CHS" b="1" dirty="0" err="1" smtClean="0"/>
               <a:t>GLint</a:t>
             </a:r>
             <a:r>
-              <a:rPr lang="en-US" altLang="zh-CN" b="1" dirty="0" smtClean="0"/>
-              <a:t> </a:t>
-            </a:r>
-            <a:r>
-              <a:rPr lang="en-US" altLang="zh-CN" b="1" dirty="0" smtClean="0"/>
-              <a:t>x, </a:t>
-            </a:r>
-            <a:r>
-              <a:rPr lang="en-US" altLang="zh-CN" b="1" dirty="0" err="1" smtClean="0"/>
+              <a:rPr lang="en-US" altLang="zh-CHS" b="1" dirty="0" smtClean="0"/>
+              <a:t> x, </a:t>
+            </a:r>
+            <a:r>
+              <a:rPr lang="en-US" altLang="zh-CHS" b="1" dirty="0" err="1" smtClean="0"/>
               <a:t>GLint</a:t>
             </a:r>
             <a:r>
-              <a:rPr lang="en-US" altLang="zh-CN" b="1" dirty="0" smtClean="0"/>
+              <a:rPr lang="en-US" altLang="zh-CHS" b="1" dirty="0" smtClean="0"/>
               <a:t> y, </a:t>
             </a:r>
             <a:r>
-              <a:rPr lang="en-US" altLang="zh-CN" b="1" dirty="0" err="1" smtClean="0"/>
+              <a:rPr lang="en-US" altLang="zh-CHS" b="1" dirty="0" err="1" smtClean="0"/>
               <a:t>GLsizei</a:t>
             </a:r>
             <a:r>
-              <a:rPr lang="en-US" altLang="zh-CN" b="1" dirty="0" smtClean="0"/>
+              <a:rPr lang="en-US" altLang="zh-CHS" b="1" dirty="0" smtClean="0"/>
               <a:t> width, </a:t>
             </a:r>
             <a:r>
-              <a:rPr lang="en-US" altLang="zh-CN" b="1" dirty="0" err="1" smtClean="0"/>
+              <a:rPr lang="en-US" altLang="zh-CHS" b="1" dirty="0" err="1" smtClean="0"/>
               <a:t>GLsizei</a:t>
             </a:r>
             <a:r>
-              <a:rPr lang="en-US" altLang="zh-CN" b="1" dirty="0" smtClean="0"/>
+              <a:rPr lang="en-US" altLang="zh-CHS" b="1" dirty="0" smtClean="0"/>
               <a:t> height)</a:t>
             </a:r>
           </a:p>
           <a:p>
             <a:pPr lvl="2"/>
             <a:r>
-              <a:rPr lang="en-US" altLang="zh-CN" dirty="0" smtClean="0"/>
-              <a:t>(x, y) — left, bottom of the </a:t>
-            </a:r>
-            <a:r>
-              <a:rPr lang="en-US" altLang="zh-CN" dirty="0" smtClean="0"/>
-              <a:t>viewport</a:t>
-            </a:r>
-            <a:endParaRPr lang="en-US" altLang="zh-CN" dirty="0" smtClean="0"/>
+              <a:rPr lang="en-US" altLang="zh-CHS" dirty="0" smtClean="0"/>
+              <a:t>(x, y) — left, bottom of the viewport</a:t>
+            </a:r>
           </a:p>
           <a:p>
             <a:pPr lvl="2"/>
             <a:r>
-              <a:rPr lang="en-US" altLang="zh-CN" dirty="0" smtClean="0"/>
+              <a:rPr lang="en-US" altLang="zh-CHS" dirty="0" smtClean="0"/>
               <a:t>width, height — literal meanings</a:t>
             </a:r>
           </a:p>
           <a:p>
             <a:pPr lvl="1"/>
-            <a:endParaRPr lang="en-US" altLang="zh-CN" i="1" dirty="0" smtClean="0"/>
+            <a:endParaRPr lang="en-US" altLang="zh-CHS" i="1" dirty="0" smtClean="0"/>
           </a:p>
         </p:txBody>
       </p:sp>
@@ -5932,10 +5935,10 @@
           <a:lstStyle/>
           <a:p>
             <a:r>
-              <a:rPr lang="en-US" altLang="zh-CN" sz="4000" dirty="0" smtClean="0"/>
+              <a:rPr lang="en-US" altLang="zh-CHS" sz="4000" dirty="0" smtClean="0"/>
               <a:t>Using GLUT</a:t>
             </a:r>
-            <a:endParaRPr lang="zh-CN" altLang="en-US" sz="4000" dirty="0"/>
+            <a:endParaRPr lang="zh-CHS" altLang="en-US" sz="4000" dirty="0"/>
           </a:p>
         </p:txBody>
       </p:sp>
@@ -5975,7 +5978,7 @@
           <a:lstStyle/>
           <a:p>
             <a:pPr algn="ctr"/>
-            <a:endParaRPr lang="zh-CN" altLang="en-US"/>
+            <a:endParaRPr lang="zh-CHS" altLang="en-US"/>
           </a:p>
         </p:txBody>
       </p:sp>
@@ -6015,7 +6018,7 @@
           <a:lstStyle/>
           <a:p>
             <a:pPr algn="ctr"/>
-            <a:endParaRPr lang="zh-CN" altLang="en-US"/>
+            <a:endParaRPr lang="zh-CHS" altLang="en-US"/>
           </a:p>
         </p:txBody>
       </p:sp>
@@ -6184,128 +6187,124 @@
           <a:lstStyle/>
           <a:p>
             <a:r>
-              <a:rPr lang="en-US" altLang="zh-CN" dirty="0" smtClean="0"/>
+              <a:rPr lang="en-US" altLang="zh-CHS" dirty="0" smtClean="0"/>
               <a:t>Implement all the functions</a:t>
             </a:r>
           </a:p>
           <a:p>
             <a:pPr lvl="1"/>
             <a:r>
-              <a:rPr lang="en-US" altLang="zh-CN" sz="2400" b="1" dirty="0" err="1" smtClean="0"/>
+              <a:rPr lang="en-US" altLang="zh-CHS" sz="2400" b="1" dirty="0" err="1" smtClean="0"/>
               <a:t>glMatrixMode</a:t>
             </a:r>
             <a:r>
-              <a:rPr lang="en-US" altLang="zh-CN" sz="2400" b="1" dirty="0" smtClean="0"/>
-              <a:t>(GL_PROJECTION</a:t>
-            </a:r>
-            <a:r>
-              <a:rPr lang="en-US" altLang="zh-CN" sz="2400" b="1" dirty="0" smtClean="0"/>
+              <a:rPr lang="en-US" altLang="zh-CHS" sz="2400" b="1" dirty="0" smtClean="0"/>
+              <a:t>(GL_PROJECTION)</a:t>
+            </a:r>
+          </a:p>
+          <a:p>
+            <a:pPr lvl="1"/>
+            <a:r>
+              <a:rPr lang="en-US" altLang="zh-CHS" sz="2400" b="1" dirty="0" err="1" smtClean="0"/>
+              <a:t>glLoadIdentity</a:t>
+            </a:r>
+            <a:r>
+              <a:rPr lang="en-US" altLang="zh-CHS" sz="2400" b="1" dirty="0" smtClean="0"/>
+              <a:t>()</a:t>
+            </a:r>
+          </a:p>
+          <a:p>
+            <a:pPr lvl="2"/>
+            <a:r>
+              <a:rPr lang="en-US" altLang="zh-CHS" sz="2200" dirty="0" smtClean="0"/>
+              <a:t>Select the matrix we will operate</a:t>
+            </a:r>
+          </a:p>
+          <a:p>
+            <a:pPr lvl="2"/>
+            <a:endParaRPr lang="en-US" altLang="zh-CHS" sz="2200" dirty="0" smtClean="0"/>
+          </a:p>
+          <a:p>
+            <a:pPr lvl="1"/>
+            <a:r>
+              <a:rPr lang="en-US" altLang="zh-CHS" sz="2400" b="1" dirty="0" err="1" smtClean="0"/>
+              <a:t>gluPerspective</a:t>
+            </a:r>
+            <a:r>
+              <a:rPr lang="en-US" altLang="zh-CHS" sz="2400" b="1" dirty="0" smtClean="0"/>
+              <a:t>(</a:t>
+            </a:r>
+            <a:r>
+              <a:rPr lang="en-US" altLang="zh-CHS" sz="2400" b="1" dirty="0" err="1" smtClean="0"/>
+              <a:t>GLdouble</a:t>
+            </a:r>
+            <a:r>
+              <a:rPr lang="en-US" altLang="zh-CHS" sz="2400" b="1" dirty="0" smtClean="0"/>
+              <a:t> </a:t>
+            </a:r>
+            <a:r>
+              <a:rPr lang="en-US" altLang="zh-CHS" sz="2400" b="1" dirty="0" err="1" smtClean="0"/>
+              <a:t>fovy</a:t>
+            </a:r>
+            <a:r>
+              <a:rPr lang="en-US" altLang="zh-CHS" sz="2400" b="1" dirty="0" smtClean="0"/>
+              <a:t>, </a:t>
+            </a:r>
+            <a:r>
+              <a:rPr lang="en-US" altLang="zh-CHS" sz="2400" b="1" dirty="0" err="1" smtClean="0"/>
+              <a:t>GLdouble</a:t>
+            </a:r>
+            <a:r>
+              <a:rPr lang="en-US" altLang="zh-CHS" sz="2400" b="1" dirty="0" smtClean="0"/>
+              <a:t> aspect, </a:t>
+            </a:r>
+            <a:r>
+              <a:rPr lang="en-US" altLang="zh-CHS" sz="2400" b="1" dirty="0" err="1" smtClean="0"/>
+              <a:t>GLdouble</a:t>
+            </a:r>
+            <a:r>
+              <a:rPr lang="en-US" altLang="zh-CHS" sz="2400" b="1" dirty="0" smtClean="0"/>
+              <a:t> </a:t>
+            </a:r>
+            <a:r>
+              <a:rPr lang="en-US" altLang="zh-CHS" sz="2400" b="1" dirty="0" err="1" smtClean="0"/>
+              <a:t>zNear</a:t>
+            </a:r>
+            <a:r>
+              <a:rPr lang="en-US" altLang="zh-CHS" sz="2400" b="1" dirty="0" smtClean="0"/>
+              <a:t>, </a:t>
+            </a:r>
+            <a:r>
+              <a:rPr lang="en-US" altLang="zh-CHS" sz="2400" b="1" dirty="0" err="1" smtClean="0"/>
+              <a:t>GLdouble</a:t>
+            </a:r>
+            <a:r>
+              <a:rPr lang="en-US" altLang="zh-CHS" sz="2400" b="1" dirty="0" smtClean="0"/>
+              <a:t> </a:t>
+            </a:r>
+            <a:r>
+              <a:rPr lang="en-US" altLang="zh-CHS" sz="2400" b="1" dirty="0" err="1" smtClean="0"/>
+              <a:t>zFar</a:t>
+            </a:r>
+            <a:r>
+              <a:rPr lang="en-US" altLang="zh-CHS" sz="2400" b="1" dirty="0" smtClean="0"/>
               <a:t>)</a:t>
             </a:r>
           </a:p>
           <a:p>
+            <a:pPr lvl="2"/>
+            <a:r>
+              <a:rPr lang="en-US" altLang="zh-CHS" sz="2200" dirty="0" smtClean="0"/>
+              <a:t>A figure will explain better…</a:t>
+            </a:r>
+          </a:p>
+          <a:p>
             <a:pPr lvl="1"/>
-            <a:r>
-              <a:rPr lang="en-US" altLang="zh-CN" sz="2400" b="1" dirty="0" err="1" smtClean="0"/>
-              <a:t>glLoadIdentity</a:t>
-            </a:r>
-            <a:r>
-              <a:rPr lang="en-US" altLang="zh-CN" sz="2400" b="1" dirty="0" smtClean="0"/>
-              <a:t>()</a:t>
-            </a:r>
-          </a:p>
-          <a:p>
-            <a:pPr lvl="2"/>
-            <a:r>
-              <a:rPr lang="en-US" altLang="zh-CN" sz="2200" dirty="0" smtClean="0"/>
-              <a:t>Select the matrix we will operate</a:t>
-            </a:r>
-          </a:p>
-          <a:p>
-            <a:pPr lvl="2"/>
-            <a:endParaRPr lang="en-US" altLang="zh-CN" sz="2200" dirty="0" smtClean="0"/>
+            <a:endParaRPr lang="en-US" altLang="zh-CHS" sz="2400" dirty="0" smtClean="0"/>
           </a:p>
           <a:p>
             <a:pPr lvl="1"/>
-            <a:r>
-              <a:rPr lang="en-US" altLang="zh-CN" sz="2400" b="1" dirty="0" err="1" smtClean="0"/>
-              <a:t>gluPerspective</a:t>
-            </a:r>
-            <a:r>
-              <a:rPr lang="en-US" altLang="zh-CN" sz="2400" b="1" dirty="0" smtClean="0"/>
-              <a:t>(</a:t>
-            </a:r>
-            <a:r>
-              <a:rPr lang="en-US" altLang="zh-CN" sz="2400" b="1" dirty="0" err="1" smtClean="0"/>
-              <a:t>GLdouble</a:t>
-            </a:r>
-            <a:r>
-              <a:rPr lang="en-US" altLang="zh-CN" sz="2400" b="1" dirty="0" smtClean="0"/>
-              <a:t> </a:t>
-            </a:r>
-            <a:r>
-              <a:rPr lang="en-US" altLang="zh-CN" sz="2400" b="1" dirty="0" err="1" smtClean="0"/>
-              <a:t>fovy</a:t>
-            </a:r>
-            <a:r>
-              <a:rPr lang="en-US" altLang="zh-CN" sz="2400" b="1" dirty="0" smtClean="0"/>
-              <a:t>, </a:t>
-            </a:r>
-            <a:r>
-              <a:rPr lang="en-US" altLang="zh-CN" sz="2400" b="1" dirty="0" err="1" smtClean="0"/>
-              <a:t>GLdouble</a:t>
-            </a:r>
-            <a:r>
-              <a:rPr lang="en-US" altLang="zh-CN" sz="2400" b="1" dirty="0" smtClean="0"/>
-              <a:t> aspect, </a:t>
-            </a:r>
-            <a:r>
-              <a:rPr lang="en-US" altLang="zh-CN" sz="2400" b="1" dirty="0" err="1" smtClean="0"/>
-              <a:t>GLdouble</a:t>
-            </a:r>
-            <a:r>
-              <a:rPr lang="en-US" altLang="zh-CN" sz="2400" b="1" dirty="0" smtClean="0"/>
-              <a:t> </a:t>
-            </a:r>
-            <a:r>
-              <a:rPr lang="en-US" altLang="zh-CN" sz="2400" b="1" dirty="0" err="1" smtClean="0"/>
-              <a:t>zNear</a:t>
-            </a:r>
-            <a:r>
-              <a:rPr lang="en-US" altLang="zh-CN" sz="2400" b="1" dirty="0" smtClean="0"/>
-              <a:t>, </a:t>
-            </a:r>
-            <a:r>
-              <a:rPr lang="en-US" altLang="zh-CN" sz="2400" b="1" dirty="0" err="1" smtClean="0"/>
-              <a:t>GLdouble</a:t>
-            </a:r>
-            <a:r>
-              <a:rPr lang="en-US" altLang="zh-CN" sz="2400" b="1" dirty="0" smtClean="0"/>
-              <a:t> </a:t>
-            </a:r>
-            <a:r>
-              <a:rPr lang="en-US" altLang="zh-CN" sz="2400" b="1" dirty="0" err="1" smtClean="0"/>
-              <a:t>zFar</a:t>
-            </a:r>
-            <a:r>
-              <a:rPr lang="en-US" altLang="zh-CN" sz="2400" b="1" dirty="0" smtClean="0"/>
-              <a:t>)</a:t>
-            </a:r>
-          </a:p>
-          <a:p>
-            <a:pPr lvl="2"/>
-            <a:r>
-              <a:rPr lang="en-US" altLang="zh-CN" sz="2200" dirty="0" smtClean="0"/>
-              <a:t>A figure will explain better…</a:t>
-            </a:r>
-          </a:p>
-          <a:p>
-            <a:pPr lvl="1"/>
-            <a:endParaRPr lang="en-US" altLang="zh-CN" sz="2400" dirty="0" smtClean="0"/>
-          </a:p>
-          <a:p>
-            <a:pPr lvl="1"/>
-            <a:endParaRPr lang="en-US" altLang="zh-CN" i="1" dirty="0" smtClean="0"/>
+            <a:endParaRPr lang="en-US" altLang="zh-CHS" i="1" dirty="0" smtClean="0"/>
           </a:p>
         </p:txBody>
       </p:sp>
@@ -6327,10 +6326,10 @@
           <a:lstStyle/>
           <a:p>
             <a:r>
-              <a:rPr lang="en-US" altLang="zh-CN" sz="4000" dirty="0" smtClean="0"/>
+              <a:rPr lang="en-US" altLang="zh-CHS" sz="4000" dirty="0" smtClean="0"/>
               <a:t>Using GLUT</a:t>
             </a:r>
-            <a:endParaRPr lang="zh-CN" altLang="en-US" sz="4000" dirty="0"/>
+            <a:endParaRPr lang="zh-CHS" altLang="en-US" sz="4000" dirty="0"/>
           </a:p>
         </p:txBody>
       </p:sp>
@@ -6382,17 +6381,17 @@
           <a:lstStyle/>
           <a:p>
             <a:r>
-              <a:rPr lang="en-US" altLang="zh-CN" dirty="0" smtClean="0"/>
+              <a:rPr lang="en-US" altLang="zh-CHS" dirty="0" smtClean="0"/>
               <a:t>Implement all the functions</a:t>
             </a:r>
           </a:p>
           <a:p>
             <a:pPr lvl="1"/>
-            <a:endParaRPr lang="en-US" altLang="zh-CN" sz="2400" dirty="0" smtClean="0"/>
+            <a:endParaRPr lang="en-US" altLang="zh-CHS" sz="2400" dirty="0" smtClean="0"/>
           </a:p>
           <a:p>
             <a:pPr lvl="1"/>
-            <a:endParaRPr lang="en-US" altLang="zh-CN" i="1" dirty="0" smtClean="0"/>
+            <a:endParaRPr lang="en-US" altLang="zh-CHS" i="1" dirty="0" smtClean="0"/>
           </a:p>
         </p:txBody>
       </p:sp>
@@ -6414,10 +6413,10 @@
           <a:lstStyle/>
           <a:p>
             <a:r>
-              <a:rPr lang="en-US" altLang="zh-CN" sz="4000" dirty="0" smtClean="0"/>
+              <a:rPr lang="en-US" altLang="zh-CHS" sz="4000" dirty="0" smtClean="0"/>
               <a:t>Using GLUT</a:t>
             </a:r>
-            <a:endParaRPr lang="zh-CN" altLang="en-US" sz="4000" dirty="0"/>
+            <a:endParaRPr lang="zh-CHS" altLang="en-US" sz="4000" dirty="0"/>
           </a:p>
         </p:txBody>
       </p:sp>
@@ -6493,31 +6492,31 @@
           <a:lstStyle/>
           <a:p>
             <a:r>
-              <a:rPr lang="en-US" altLang="zh-CN" dirty="0" err="1" smtClean="0"/>
+              <a:rPr lang="en-US" altLang="zh-CHS" dirty="0" err="1" smtClean="0"/>
               <a:t>NeHe</a:t>
             </a:r>
             <a:r>
-              <a:rPr lang="en-US" altLang="zh-CN" dirty="0" smtClean="0"/>
+              <a:rPr lang="en-US" altLang="zh-CHS" dirty="0" smtClean="0"/>
               <a:t> tutorials:</a:t>
             </a:r>
           </a:p>
           <a:p>
             <a:pPr lvl="1"/>
             <a:r>
-              <a:rPr lang="en-US" altLang="zh-CN" dirty="0" smtClean="0">
+              <a:rPr lang="en-US" altLang="zh-CHS" dirty="0" smtClean="0">
                 <a:hlinkClick r:id="rId2"/>
               </a:rPr>
               <a:t>http://nehe.gamedev.net/</a:t>
             </a:r>
-            <a:endParaRPr lang="en-US" altLang="zh-CN" dirty="0" smtClean="0"/>
+            <a:endParaRPr lang="en-US" altLang="zh-CHS" dirty="0" smtClean="0"/>
           </a:p>
           <a:p>
             <a:pPr lvl="1"/>
             <a:r>
-              <a:rPr lang="en-US" altLang="zh-CN" dirty="0" smtClean="0"/>
+              <a:rPr lang="en-US" altLang="zh-CHS" dirty="0" smtClean="0"/>
               <a:t>All the code used as exercises are available online</a:t>
             </a:r>
-            <a:endParaRPr lang="zh-CN" altLang="en-US" dirty="0"/>
+            <a:endParaRPr lang="zh-CHS" altLang="en-US" dirty="0"/>
           </a:p>
         </p:txBody>
       </p:sp>
@@ -6537,10 +6536,10 @@
           <a:lstStyle/>
           <a:p>
             <a:r>
-              <a:rPr lang="en-US" altLang="zh-CN" dirty="0" smtClean="0"/>
+              <a:rPr lang="en-US" altLang="zh-CHS" dirty="0" smtClean="0"/>
               <a:t>Tutorials</a:t>
             </a:r>
-            <a:endParaRPr lang="zh-CN" altLang="en-US" dirty="0"/>
+            <a:endParaRPr lang="zh-CHS" altLang="en-US" dirty="0"/>
           </a:p>
         </p:txBody>
       </p:sp>
@@ -6684,111 +6683,139 @@
           <a:lstStyle/>
           <a:p>
             <a:r>
-              <a:rPr lang="en-US" altLang="zh-CN" dirty="0" smtClean="0"/>
+              <a:rPr lang="en-US" altLang="zh-CHS" dirty="0" smtClean="0"/>
               <a:t>Implement all the functions</a:t>
             </a:r>
           </a:p>
           <a:p>
             <a:pPr lvl="1"/>
             <a:r>
-              <a:rPr lang="en-US" altLang="zh-CN" sz="2400" b="1" dirty="0" err="1" smtClean="0"/>
+              <a:rPr lang="en-US" altLang="zh-CHS" sz="2400" b="1" dirty="0" err="1" smtClean="0"/>
               <a:t>glMatrixMode</a:t>
             </a:r>
             <a:r>
-              <a:rPr lang="en-US" altLang="zh-CN" sz="2400" b="1" dirty="0" smtClean="0"/>
-              <a:t>(GL_MODELVIEW</a:t>
-            </a:r>
-            <a:r>
-              <a:rPr lang="en-US" altLang="zh-CN" sz="2400" b="1" dirty="0" smtClean="0"/>
-              <a:t>)</a:t>
+              <a:rPr lang="en-US" altLang="zh-CHS" sz="2400" b="1" dirty="0" smtClean="0"/>
+              <a:t>(GL_MODELVIEW)</a:t>
             </a:r>
           </a:p>
           <a:p>
             <a:pPr lvl="1"/>
             <a:r>
-              <a:rPr lang="en-US" altLang="zh-CN" sz="2400" b="1" dirty="0" err="1" smtClean="0"/>
+              <a:rPr lang="en-US" altLang="zh-CHS" sz="2400" b="1" dirty="0" err="1" smtClean="0"/>
               <a:t>glLoadIdentity</a:t>
             </a:r>
             <a:r>
-              <a:rPr lang="en-US" altLang="zh-CN" sz="2400" b="1" dirty="0" smtClean="0"/>
+              <a:rPr lang="en-US" altLang="zh-CHS" sz="2400" b="1" dirty="0" smtClean="0"/>
               <a:t>()</a:t>
             </a:r>
           </a:p>
           <a:p>
             <a:pPr lvl="2"/>
             <a:r>
-              <a:rPr lang="en-US" altLang="zh-CN" sz="2200" dirty="0" smtClean="0"/>
+              <a:rPr lang="en-US" altLang="zh-CHS" sz="2200" dirty="0" smtClean="0"/>
               <a:t>Model matrix</a:t>
             </a:r>
           </a:p>
           <a:p>
             <a:pPr lvl="2"/>
             <a:r>
-              <a:rPr lang="en-US" altLang="zh-CN" sz="2200" dirty="0" smtClean="0"/>
+              <a:rPr lang="en-US" altLang="zh-CHS" sz="2200" dirty="0" smtClean="0"/>
               <a:t>View matrix</a:t>
             </a:r>
           </a:p>
           <a:p>
             <a:pPr lvl="2"/>
             <a:r>
-              <a:rPr lang="en-US" altLang="zh-CN" sz="2200" dirty="0" smtClean="0"/>
+              <a:rPr lang="en-US" altLang="zh-CHS" sz="2200" dirty="0" smtClean="0"/>
               <a:t>Modification is done by</a:t>
             </a:r>
           </a:p>
           <a:p>
             <a:pPr lvl="3"/>
             <a:r>
-              <a:rPr lang="en-US" altLang="zh-CN" sz="2000" i="1" dirty="0" err="1" smtClean="0"/>
+              <a:rPr lang="en-US" altLang="zh-CHS" sz="2000" b="1" i="1" dirty="0" err="1" smtClean="0">
+                <a:solidFill>
+                  <a:srgbClr val="FF0000"/>
+                </a:solidFill>
+              </a:rPr>
               <a:t>gluLookAt</a:t>
             </a:r>
             <a:r>
-              <a:rPr lang="en-US" altLang="zh-CN" sz="2000" i="1" dirty="0" smtClean="0"/>
+              <a:rPr lang="en-US" altLang="zh-CHS" sz="2000" b="1" i="1" dirty="0" smtClean="0">
+                <a:solidFill>
+                  <a:srgbClr val="FF0000"/>
+                </a:solidFill>
+              </a:rPr>
               <a:t>()</a:t>
             </a:r>
           </a:p>
           <a:p>
             <a:pPr lvl="3"/>
             <a:r>
-              <a:rPr lang="en-US" altLang="zh-CN" sz="2000" i="1" dirty="0" err="1" smtClean="0"/>
+              <a:rPr lang="en-US" altLang="zh-CHS" sz="2000" b="1" i="1" dirty="0" err="1" smtClean="0">
+                <a:solidFill>
+                  <a:srgbClr val="FF0000"/>
+                </a:solidFill>
+              </a:rPr>
               <a:t>glTranslatef</a:t>
             </a:r>
             <a:r>
-              <a:rPr lang="en-US" altLang="zh-CN" sz="2000" i="1" dirty="0" smtClean="0"/>
+              <a:rPr lang="en-US" altLang="zh-CHS" sz="2000" b="1" i="1" dirty="0" smtClean="0">
+                <a:solidFill>
+                  <a:srgbClr val="FF0000"/>
+                </a:solidFill>
+              </a:rPr>
               <a:t>()</a:t>
             </a:r>
           </a:p>
           <a:p>
             <a:pPr lvl="3"/>
             <a:r>
-              <a:rPr lang="en-US" altLang="zh-CN" sz="2000" i="1" dirty="0" err="1" smtClean="0"/>
+              <a:rPr lang="en-US" altLang="zh-CHS" sz="2000" b="1" i="1" dirty="0" err="1" smtClean="0">
+                <a:solidFill>
+                  <a:srgbClr val="FF0000"/>
+                </a:solidFill>
+              </a:rPr>
               <a:t>glRotatef</a:t>
             </a:r>
             <a:r>
-              <a:rPr lang="en-US" altLang="zh-CN" sz="2000" i="1" dirty="0" smtClean="0"/>
+              <a:rPr lang="en-US" altLang="zh-CHS" sz="2000" b="1" i="1" dirty="0" smtClean="0">
+                <a:solidFill>
+                  <a:srgbClr val="FF0000"/>
+                </a:solidFill>
+              </a:rPr>
               <a:t>()</a:t>
             </a:r>
           </a:p>
           <a:p>
             <a:pPr lvl="3"/>
             <a:r>
-              <a:rPr lang="en-US" altLang="zh-CN" sz="2000" i="1" dirty="0" err="1" smtClean="0"/>
+              <a:rPr lang="en-US" altLang="zh-CHS" sz="2000" b="1" i="1" dirty="0" err="1" smtClean="0">
+                <a:solidFill>
+                  <a:srgbClr val="FF0000"/>
+                </a:solidFill>
+              </a:rPr>
               <a:t>glScalef</a:t>
             </a:r>
             <a:r>
-              <a:rPr lang="en-US" altLang="zh-CN" sz="2000" i="1" dirty="0" smtClean="0"/>
+              <a:rPr lang="en-US" altLang="zh-CHS" sz="2000" b="1" i="1" dirty="0" smtClean="0">
+                <a:solidFill>
+                  <a:srgbClr val="FF0000"/>
+                </a:solidFill>
+              </a:rPr>
               <a:t>()</a:t>
             </a:r>
           </a:p>
           <a:p>
             <a:pPr lvl="3"/>
             <a:r>
-              <a:rPr lang="en-US" altLang="zh-CN" sz="2000" i="1" dirty="0" smtClean="0"/>
+              <a:rPr lang="en-US" altLang="zh-CHS" sz="2000" i="1" dirty="0" smtClean="0"/>
               <a:t>…</a:t>
             </a:r>
           </a:p>
           <a:p>
             <a:pPr lvl="1"/>
-            <a:endParaRPr lang="en-US" altLang="zh-CN" i="1" dirty="0" smtClean="0"/>
+            <a:endParaRPr lang="en-US" altLang="zh-CHS" i="1" dirty="0" smtClean="0"/>
           </a:p>
         </p:txBody>
       </p:sp>
@@ -6810,10 +6837,10 @@
           <a:lstStyle/>
           <a:p>
             <a:r>
-              <a:rPr lang="en-US" altLang="zh-CN" sz="4000" dirty="0" smtClean="0"/>
+              <a:rPr lang="en-US" altLang="zh-CHS" sz="4000" dirty="0" smtClean="0"/>
               <a:t>Using GLUT</a:t>
             </a:r>
-            <a:endParaRPr lang="zh-CN" altLang="en-US" sz="4000" dirty="0"/>
+            <a:endParaRPr lang="zh-CHS" altLang="en-US" sz="4000" dirty="0"/>
           </a:p>
         </p:txBody>
       </p:sp>
@@ -6865,46 +6892,46 @@
           <a:lstStyle/>
           <a:p>
             <a:r>
-              <a:rPr lang="en-US" altLang="zh-CN" dirty="0" smtClean="0"/>
+              <a:rPr lang="en-US" altLang="zh-CHS" dirty="0" smtClean="0"/>
               <a:t>Implement all the functions</a:t>
             </a:r>
           </a:p>
           <a:p>
             <a:pPr lvl="1"/>
             <a:r>
-              <a:rPr lang="en-US" altLang="zh-CN" i="1" dirty="0" smtClean="0"/>
+              <a:rPr lang="en-US" altLang="zh-CHS" i="1" dirty="0" smtClean="0"/>
               <a:t>your display function</a:t>
             </a:r>
           </a:p>
           <a:p>
             <a:pPr lvl="2"/>
             <a:r>
-              <a:rPr lang="en-US" altLang="zh-CN" b="1" dirty="0" smtClean="0"/>
+              <a:rPr lang="en-US" altLang="zh-CHS" b="1" dirty="0" smtClean="0"/>
               <a:t>void </a:t>
             </a:r>
             <a:r>
-              <a:rPr lang="en-US" altLang="zh-CN" b="1" dirty="0" err="1" smtClean="0"/>
+              <a:rPr lang="en-US" altLang="zh-CHS" b="1" dirty="0" err="1" smtClean="0"/>
               <a:t>myDisplay</a:t>
             </a:r>
             <a:r>
-              <a:rPr lang="en-US" altLang="zh-CN" b="1" dirty="0" smtClean="0"/>
+              <a:rPr lang="en-US" altLang="zh-CHS" b="1" dirty="0" smtClean="0"/>
               <a:t>()</a:t>
             </a:r>
           </a:p>
           <a:p>
             <a:pPr lvl="2"/>
-            <a:endParaRPr lang="en-US" altLang="zh-CN" dirty="0" smtClean="0"/>
+            <a:endParaRPr lang="en-US" altLang="zh-CHS" dirty="0" smtClean="0"/>
           </a:p>
           <a:p>
             <a:pPr lvl="2"/>
             <a:r>
-              <a:rPr lang="en-US" altLang="zh-CN" dirty="0" smtClean="0"/>
+              <a:rPr lang="en-US" altLang="zh-CHS" dirty="0" smtClean="0"/>
               <a:t>All the rendering work is done in this function</a:t>
             </a:r>
           </a:p>
           <a:p>
             <a:pPr lvl="1"/>
-            <a:endParaRPr lang="en-US" altLang="zh-CN" i="1" dirty="0" smtClean="0"/>
+            <a:endParaRPr lang="en-US" altLang="zh-CHS" i="1" dirty="0" smtClean="0"/>
           </a:p>
         </p:txBody>
       </p:sp>
@@ -6926,10 +6953,10 @@
           <a:lstStyle/>
           <a:p>
             <a:r>
-              <a:rPr lang="en-US" altLang="zh-CN" sz="4000" dirty="0" smtClean="0"/>
+              <a:rPr lang="en-US" altLang="zh-CHS" sz="4000" dirty="0" smtClean="0"/>
               <a:t>Using GLUT</a:t>
             </a:r>
-            <a:endParaRPr lang="zh-CN" altLang="en-US" sz="4000" dirty="0"/>
+            <a:endParaRPr lang="zh-CHS" altLang="en-US" sz="4000" dirty="0"/>
           </a:p>
         </p:txBody>
       </p:sp>
@@ -6983,75 +7010,75 @@
           <a:lstStyle/>
           <a:p>
             <a:r>
-              <a:rPr lang="en-US" altLang="zh-CN" dirty="0" smtClean="0"/>
+              <a:rPr lang="en-US" altLang="zh-CHS" dirty="0" smtClean="0"/>
               <a:t>Implement all the functions</a:t>
             </a:r>
           </a:p>
           <a:p>
             <a:pPr lvl="1"/>
             <a:r>
-              <a:rPr lang="en-US" altLang="zh-CN" sz="2400" b="1" dirty="0" err="1" smtClean="0"/>
+              <a:rPr lang="en-US" altLang="zh-CHS" sz="2400" b="1" dirty="0" err="1" smtClean="0"/>
               <a:t>glClear</a:t>
             </a:r>
             <a:r>
-              <a:rPr lang="en-US" altLang="zh-CN" sz="2400" b="1" dirty="0" smtClean="0"/>
+              <a:rPr lang="en-US" altLang="zh-CHS" sz="2400" b="1" dirty="0" smtClean="0"/>
               <a:t>(GL_COLOR_BUFFER_BIT | GL_DEPTH_BUFFER_BIT)</a:t>
             </a:r>
           </a:p>
           <a:p>
             <a:pPr lvl="2"/>
             <a:r>
-              <a:rPr lang="en-US" altLang="zh-CN" sz="2200" dirty="0" smtClean="0"/>
+              <a:rPr lang="en-US" altLang="zh-CHS" sz="2200" dirty="0" smtClean="0"/>
               <a:t>Color Buffer, Depth Buffer</a:t>
             </a:r>
           </a:p>
           <a:p>
             <a:pPr lvl="2"/>
-            <a:endParaRPr lang="en-US" altLang="zh-CN" sz="2200" dirty="0" smtClean="0"/>
+            <a:endParaRPr lang="en-US" altLang="zh-CHS" sz="2200" dirty="0" smtClean="0"/>
           </a:p>
           <a:p>
             <a:pPr lvl="1"/>
             <a:r>
-              <a:rPr lang="en-US" altLang="zh-CN" b="1" dirty="0" err="1" smtClean="0"/>
+              <a:rPr lang="en-US" altLang="zh-CHS" b="1" dirty="0" err="1" smtClean="0"/>
               <a:t>glutSwapBuffers</a:t>
             </a:r>
             <a:r>
-              <a:rPr lang="en-US" altLang="zh-CN" b="1" dirty="0" smtClean="0"/>
+              <a:rPr lang="en-US" altLang="zh-CHS" b="1" dirty="0" smtClean="0"/>
               <a:t>()</a:t>
             </a:r>
           </a:p>
           <a:p>
             <a:pPr lvl="2"/>
             <a:r>
-              <a:rPr lang="en-US" altLang="zh-CN" dirty="0" smtClean="0"/>
+              <a:rPr lang="en-US" altLang="zh-CHS" dirty="0" smtClean="0"/>
               <a:t>Because we are using double buffers…</a:t>
             </a:r>
           </a:p>
           <a:p>
             <a:pPr lvl="2"/>
             <a:r>
-              <a:rPr lang="en-US" altLang="zh-CN" dirty="0" smtClean="0"/>
+              <a:rPr lang="en-US" altLang="zh-CHS" dirty="0" smtClean="0"/>
               <a:t>Try to uncomment this line and see what you will get</a:t>
             </a:r>
           </a:p>
           <a:p>
             <a:pPr lvl="2"/>
-            <a:endParaRPr lang="en-US" altLang="zh-CN" dirty="0" smtClean="0"/>
+            <a:endParaRPr lang="en-US" altLang="zh-CHS" dirty="0" smtClean="0"/>
           </a:p>
           <a:p>
             <a:pPr lvl="1"/>
             <a:r>
-              <a:rPr lang="en-US" altLang="zh-CN" dirty="0" smtClean="0"/>
+              <a:rPr lang="en-US" altLang="zh-CHS" dirty="0" smtClean="0"/>
               <a:t>All the drawing, transformation should be added between these two functions</a:t>
             </a:r>
           </a:p>
           <a:p>
             <a:pPr lvl="2"/>
-            <a:endParaRPr lang="en-US" altLang="zh-CN" sz="2200" dirty="0" smtClean="0"/>
+            <a:endParaRPr lang="en-US" altLang="zh-CHS" sz="2200" dirty="0" smtClean="0"/>
           </a:p>
           <a:p>
             <a:pPr lvl="1"/>
-            <a:endParaRPr lang="en-US" altLang="zh-CN" i="1" dirty="0" smtClean="0"/>
+            <a:endParaRPr lang="en-US" altLang="zh-CHS" i="1" dirty="0" smtClean="0"/>
           </a:p>
         </p:txBody>
       </p:sp>
@@ -7073,10 +7100,10 @@
           <a:lstStyle/>
           <a:p>
             <a:r>
-              <a:rPr lang="en-US" altLang="zh-CN" sz="4000" dirty="0" smtClean="0"/>
+              <a:rPr lang="en-US" altLang="zh-CHS" sz="4000" dirty="0" smtClean="0"/>
               <a:t>Using GLUT</a:t>
             </a:r>
-            <a:endParaRPr lang="zh-CN" altLang="en-US" sz="4000" dirty="0"/>
+            <a:endParaRPr lang="zh-CHS" altLang="en-US" sz="4000" dirty="0"/>
           </a:p>
         </p:txBody>
       </p:sp>
@@ -7130,95 +7157,95 @@
           <a:lstStyle/>
           <a:p>
             <a:r>
-              <a:rPr lang="en-US" altLang="zh-CN" dirty="0" smtClean="0"/>
+              <a:rPr lang="en-US" altLang="zh-CHS" dirty="0" smtClean="0"/>
               <a:t>Implement all the functions</a:t>
             </a:r>
           </a:p>
           <a:p>
             <a:pPr lvl="1"/>
             <a:r>
-              <a:rPr lang="en-US" altLang="zh-CN" sz="2400" b="1" dirty="0" err="1" smtClean="0"/>
+              <a:rPr lang="en-US" altLang="zh-CHS" sz="2400" b="1" dirty="0" err="1" smtClean="0"/>
               <a:t>glBegin</a:t>
             </a:r>
             <a:r>
-              <a:rPr lang="en-US" altLang="zh-CN" sz="2400" b="1" dirty="0" smtClean="0"/>
+              <a:rPr lang="en-US" altLang="zh-CHS" sz="2400" b="1" dirty="0" smtClean="0"/>
               <a:t>(</a:t>
             </a:r>
             <a:r>
-              <a:rPr lang="en-US" altLang="zh-CN" sz="2400" b="1" dirty="0" err="1" smtClean="0"/>
+              <a:rPr lang="en-US" altLang="zh-CHS" sz="2400" b="1" dirty="0" err="1" smtClean="0"/>
               <a:t>GLenum</a:t>
             </a:r>
             <a:r>
-              <a:rPr lang="en-US" altLang="zh-CN" sz="2400" b="1" dirty="0" smtClean="0"/>
+              <a:rPr lang="en-US" altLang="zh-CHS" sz="2400" b="1" dirty="0" smtClean="0"/>
               <a:t> mode)</a:t>
             </a:r>
           </a:p>
           <a:p>
             <a:pPr lvl="1"/>
             <a:r>
-              <a:rPr lang="en-US" altLang="zh-CN" sz="2400" b="1" dirty="0" err="1" smtClean="0"/>
+              <a:rPr lang="en-US" altLang="zh-CHS" sz="2400" b="1" dirty="0" err="1" smtClean="0"/>
               <a:t>glEnd</a:t>
             </a:r>
             <a:r>
-              <a:rPr lang="en-US" altLang="zh-CN" sz="2400" b="1" dirty="0" smtClean="0"/>
+              <a:rPr lang="en-US" altLang="zh-CHS" sz="2400" b="1" dirty="0" smtClean="0"/>
               <a:t>()</a:t>
             </a:r>
           </a:p>
           <a:p>
             <a:pPr lvl="1"/>
-            <a:endParaRPr lang="en-US" altLang="zh-CN" sz="2400" b="1" dirty="0" smtClean="0"/>
+            <a:endParaRPr lang="en-US" altLang="zh-CHS" sz="2400" b="1" dirty="0" smtClean="0"/>
           </a:p>
           <a:p>
             <a:pPr lvl="1"/>
             <a:r>
-              <a:rPr lang="en-US" altLang="zh-CN" sz="2400" dirty="0" err="1" smtClean="0"/>
+              <a:rPr lang="en-US" altLang="zh-CHS" sz="2400" dirty="0" err="1" smtClean="0"/>
               <a:t>GLenum</a:t>
             </a:r>
             <a:r>
-              <a:rPr lang="en-US" altLang="zh-CN" sz="2400" dirty="0" smtClean="0"/>
+              <a:rPr lang="en-US" altLang="zh-CHS" sz="2400" dirty="0" smtClean="0"/>
               <a:t> values</a:t>
             </a:r>
-            <a:endParaRPr lang="en-US" altLang="zh-CN" sz="2400" i="1" dirty="0" smtClean="0"/>
+            <a:endParaRPr lang="en-US" altLang="zh-CHS" sz="2400" i="1" dirty="0" smtClean="0"/>
           </a:p>
           <a:p>
             <a:pPr lvl="2"/>
             <a:r>
-              <a:rPr lang="en-US" altLang="zh-CN" sz="2200" dirty="0" smtClean="0"/>
+              <a:rPr lang="en-US" altLang="zh-CHS" sz="2200" dirty="0" smtClean="0"/>
               <a:t>GL_TRIANGLES/GL_QUADS</a:t>
             </a:r>
           </a:p>
           <a:p>
             <a:pPr lvl="2"/>
             <a:r>
-              <a:rPr lang="en-US" altLang="zh-CN" sz="2200" dirty="0" smtClean="0"/>
+              <a:rPr lang="en-US" altLang="zh-CHS" sz="2200" dirty="0" smtClean="0"/>
               <a:t>GL_POINTS/GL_LINES</a:t>
             </a:r>
           </a:p>
           <a:p>
             <a:pPr lvl="2"/>
             <a:r>
-              <a:rPr lang="en-US" altLang="zh-CN" sz="2200" dirty="0" smtClean="0"/>
+              <a:rPr lang="en-US" altLang="zh-CHS" sz="2200" dirty="0" smtClean="0"/>
               <a:t>GL_LINE_STRIP</a:t>
             </a:r>
           </a:p>
           <a:p>
             <a:pPr lvl="2"/>
             <a:r>
-              <a:rPr lang="en-US" altLang="zh-CN" sz="2200" dirty="0" smtClean="0"/>
+              <a:rPr lang="en-US" altLang="zh-CHS" sz="2200" dirty="0" smtClean="0"/>
               <a:t>GL_TRIANGLE_STRIP</a:t>
             </a:r>
           </a:p>
           <a:p>
             <a:pPr lvl="2"/>
             <a:r>
-              <a:rPr lang="en-US" altLang="zh-CN" sz="2200" dirty="0" smtClean="0"/>
+              <a:rPr lang="en-US" altLang="zh-CHS" sz="2200" dirty="0" smtClean="0"/>
               <a:t>GL_POLYGON</a:t>
             </a:r>
           </a:p>
           <a:p>
             <a:pPr lvl="2"/>
             <a:r>
-              <a:rPr lang="en-US" altLang="zh-CN" sz="2200" dirty="0" smtClean="0"/>
+              <a:rPr lang="en-US" altLang="zh-CHS" sz="2200" dirty="0" smtClean="0"/>
               <a:t>……</a:t>
             </a:r>
           </a:p>
@@ -7242,10 +7269,10 @@
           <a:lstStyle/>
           <a:p>
             <a:r>
-              <a:rPr lang="en-US" altLang="zh-CN" sz="4000" dirty="0" smtClean="0"/>
+              <a:rPr lang="en-US" altLang="zh-CHS" sz="4000" dirty="0" smtClean="0"/>
               <a:t>Using GLUT</a:t>
             </a:r>
-            <a:endParaRPr lang="zh-CN" altLang="en-US" sz="4000" dirty="0"/>
+            <a:endParaRPr lang="zh-CHS" altLang="en-US" sz="4000" dirty="0"/>
           </a:p>
         </p:txBody>
       </p:sp>
@@ -7299,94 +7326,94 @@
           <a:lstStyle/>
           <a:p>
             <a:r>
-              <a:rPr lang="en-US" altLang="zh-CN" sz="2200" b="1" dirty="0" smtClean="0"/>
+              <a:rPr lang="en-US" altLang="zh-CHS" sz="2200" b="1" dirty="0" smtClean="0"/>
               <a:t>glVertex3f(</a:t>
             </a:r>
             <a:r>
-              <a:rPr lang="en-US" altLang="zh-CN" sz="2200" b="1" dirty="0" err="1" smtClean="0"/>
+              <a:rPr lang="en-US" altLang="zh-CHS" sz="2200" b="1" dirty="0" err="1" smtClean="0"/>
               <a:t>GLfloat</a:t>
             </a:r>
             <a:r>
-              <a:rPr lang="en-US" altLang="zh-CN" sz="2200" b="1" dirty="0" smtClean="0"/>
+              <a:rPr lang="en-US" altLang="zh-CHS" sz="2200" b="1" dirty="0" smtClean="0"/>
               <a:t> x, </a:t>
             </a:r>
             <a:r>
-              <a:rPr lang="en-US" altLang="zh-CN" sz="2200" b="1" dirty="0" err="1" smtClean="0"/>
+              <a:rPr lang="en-US" altLang="zh-CHS" sz="2200" b="1" dirty="0" err="1" smtClean="0"/>
               <a:t>GLfloat</a:t>
             </a:r>
             <a:r>
-              <a:rPr lang="en-US" altLang="zh-CN" sz="2200" b="1" dirty="0" smtClean="0"/>
+              <a:rPr lang="en-US" altLang="zh-CHS" sz="2200" b="1" dirty="0" smtClean="0"/>
               <a:t> y, </a:t>
             </a:r>
             <a:r>
-              <a:rPr lang="en-US" altLang="zh-CN" sz="2200" b="1" dirty="0" err="1" smtClean="0"/>
+              <a:rPr lang="en-US" altLang="zh-CHS" sz="2200" b="1" dirty="0" err="1" smtClean="0"/>
               <a:t>GLfloat</a:t>
             </a:r>
             <a:r>
-              <a:rPr lang="en-US" altLang="zh-CN" sz="2200" b="1" dirty="0" smtClean="0"/>
+              <a:rPr lang="en-US" altLang="zh-CHS" sz="2200" b="1" dirty="0" smtClean="0"/>
               <a:t> z)</a:t>
             </a:r>
           </a:p>
           <a:p>
-            <a:endParaRPr lang="en-US" altLang="zh-CN" sz="1800" b="1" dirty="0" smtClean="0"/>
+            <a:endParaRPr lang="en-US" altLang="zh-CHS" sz="1800" b="1" dirty="0" smtClean="0"/>
           </a:p>
           <a:p>
             <a:pPr lvl="1"/>
             <a:r>
-              <a:rPr lang="en-US" altLang="zh-CN" sz="1800" dirty="0" smtClean="0"/>
+              <a:rPr lang="en-US" altLang="zh-CHS" sz="1800" dirty="0" smtClean="0"/>
               <a:t>(x, y, z)</a:t>
             </a:r>
           </a:p>
           <a:p>
             <a:pPr lvl="1"/>
-            <a:endParaRPr lang="en-US" altLang="zh-CN" sz="1800" dirty="0" smtClean="0"/>
+            <a:endParaRPr lang="en-US" altLang="zh-CHS" sz="1800" dirty="0" smtClean="0"/>
           </a:p>
           <a:p>
             <a:pPr lvl="1"/>
             <a:r>
-              <a:rPr lang="en-US" altLang="zh-CN" sz="1800" dirty="0" smtClean="0"/>
+              <a:rPr lang="en-US" altLang="zh-CHS" sz="1800" dirty="0" smtClean="0"/>
               <a:t>For triangles/quads/polygons, you must follow a specific order of the vertices</a:t>
             </a:r>
-            <a:endParaRPr lang="en-US" altLang="zh-CN" sz="1600" dirty="0" smtClean="0"/>
+            <a:endParaRPr lang="en-US" altLang="zh-CHS" sz="1600" dirty="0" smtClean="0"/>
           </a:p>
           <a:p>
             <a:pPr lvl="2"/>
             <a:r>
-              <a:rPr lang="en-US" altLang="zh-CN" sz="1600" dirty="0" smtClean="0"/>
+              <a:rPr lang="en-US" altLang="zh-CHS" sz="1600" dirty="0" smtClean="0"/>
               <a:t>CW</a:t>
             </a:r>
           </a:p>
           <a:p>
             <a:pPr lvl="2"/>
             <a:r>
-              <a:rPr lang="en-US" altLang="zh-CN" sz="1600" dirty="0" smtClean="0"/>
+              <a:rPr lang="en-US" altLang="zh-CHS" sz="1600" dirty="0" smtClean="0"/>
               <a:t>CCW</a:t>
             </a:r>
           </a:p>
           <a:p>
             <a:pPr lvl="1"/>
             <a:r>
-              <a:rPr lang="en-US" altLang="zh-CN" sz="1800" dirty="0" smtClean="0"/>
+              <a:rPr lang="en-US" altLang="zh-CHS" sz="1800" dirty="0" smtClean="0"/>
               <a:t>It is related to the normal of the vertex</a:t>
             </a:r>
           </a:p>
           <a:p>
             <a:pPr lvl="2"/>
             <a:r>
-              <a:rPr lang="en-US" altLang="zh-CN" sz="1600" dirty="0" smtClean="0"/>
+              <a:rPr lang="en-US" altLang="zh-CHS" sz="1600" dirty="0" smtClean="0"/>
               <a:t>CCW</a:t>
             </a:r>
           </a:p>
           <a:p>
             <a:pPr lvl="2"/>
             <a:r>
-              <a:rPr lang="en-US" altLang="zh-CN" sz="1600" dirty="0" smtClean="0"/>
+              <a:rPr lang="en-US" altLang="zh-CHS" sz="1600" dirty="0" smtClean="0"/>
               <a:t>Right-Hand principle</a:t>
             </a:r>
           </a:p>
           <a:p>
             <a:pPr lvl="2"/>
-            <a:endParaRPr lang="en-US" altLang="zh-CN" sz="1600" dirty="0" smtClean="0"/>
+            <a:endParaRPr lang="en-US" altLang="zh-CHS" sz="1600" dirty="0" smtClean="0"/>
           </a:p>
         </p:txBody>
       </p:sp>
@@ -7408,10 +7435,10 @@
           <a:lstStyle/>
           <a:p>
             <a:r>
-              <a:rPr lang="en-US" altLang="zh-CN" sz="4000" dirty="0" smtClean="0"/>
+              <a:rPr lang="en-US" altLang="zh-CHS" sz="4000" dirty="0" smtClean="0"/>
               <a:t>Using GLUT</a:t>
             </a:r>
-            <a:endParaRPr lang="zh-CN" altLang="en-US" sz="4000" dirty="0"/>
+            <a:endParaRPr lang="zh-CHS" altLang="en-US" sz="4000" dirty="0"/>
           </a:p>
         </p:txBody>
       </p:sp>
@@ -7467,7 +7494,7 @@
             <a:lstStyle/>
             <a:p>
               <a:pPr algn="ctr"/>
-              <a:endParaRPr lang="zh-CN" altLang="en-US"/>
+              <a:endParaRPr lang="zh-CHS" altLang="en-US"/>
             </a:p>
           </p:txBody>
         </p:sp>
@@ -7634,10 +7661,10 @@
             <a:lstStyle/>
             <a:p>
               <a:r>
-                <a:rPr lang="en-US" altLang="zh-CN" dirty="0" smtClean="0"/>
+                <a:rPr lang="en-US" altLang="zh-CHS" dirty="0" smtClean="0"/>
                 <a:t>y</a:t>
               </a:r>
-              <a:endParaRPr lang="zh-CN" altLang="en-US" dirty="0"/>
+              <a:endParaRPr lang="zh-CHS" altLang="en-US" dirty="0"/>
             </a:p>
           </p:txBody>
         </p:sp>
@@ -7664,10 +7691,10 @@
             <a:lstStyle/>
             <a:p>
               <a:r>
-                <a:rPr lang="en-US" altLang="zh-CN" dirty="0" smtClean="0"/>
+                <a:rPr lang="en-US" altLang="zh-CHS" dirty="0" smtClean="0"/>
                 <a:t>x</a:t>
               </a:r>
-              <a:endParaRPr lang="zh-CN" altLang="en-US" dirty="0"/>
+              <a:endParaRPr lang="zh-CHS" altLang="en-US" dirty="0"/>
             </a:p>
           </p:txBody>
         </p:sp>
@@ -7694,10 +7721,10 @@
             <a:lstStyle/>
             <a:p>
               <a:r>
-                <a:rPr lang="en-US" altLang="zh-CN" dirty="0" smtClean="0"/>
+                <a:rPr lang="en-US" altLang="zh-CHS" dirty="0" smtClean="0"/>
                 <a:t>z</a:t>
               </a:r>
-              <a:endParaRPr lang="zh-CN" altLang="en-US" dirty="0"/>
+              <a:endParaRPr lang="zh-CHS" altLang="en-US" dirty="0"/>
             </a:p>
           </p:txBody>
         </p:sp>
@@ -7820,98 +7847,98 @@
           <a:lstStyle/>
           <a:p>
             <a:r>
-              <a:rPr lang="en-US" altLang="zh-CN" sz="2200" b="1" dirty="0" smtClean="0"/>
+              <a:rPr lang="en-US" altLang="zh-CHS" sz="2200" b="1" dirty="0" smtClean="0"/>
               <a:t>glColor3f(</a:t>
             </a:r>
             <a:r>
-              <a:rPr lang="en-US" altLang="zh-CN" sz="2200" b="1" dirty="0" err="1" smtClean="0"/>
+              <a:rPr lang="en-US" altLang="zh-CHS" sz="2200" b="1" dirty="0" err="1" smtClean="0"/>
               <a:t>GLfloat</a:t>
             </a:r>
             <a:r>
-              <a:rPr lang="en-US" altLang="zh-CN" sz="2200" b="1" dirty="0" smtClean="0"/>
+              <a:rPr lang="en-US" altLang="zh-CHS" sz="2200" b="1" dirty="0" smtClean="0"/>
               <a:t> red, </a:t>
             </a:r>
             <a:r>
-              <a:rPr lang="en-US" altLang="zh-CN" sz="2200" b="1" dirty="0" err="1" smtClean="0"/>
+              <a:rPr lang="en-US" altLang="zh-CHS" sz="2200" b="1" dirty="0" err="1" smtClean="0"/>
               <a:t>GLfloat</a:t>
             </a:r>
             <a:r>
-              <a:rPr lang="en-US" altLang="zh-CN" sz="2200" b="1" dirty="0" smtClean="0"/>
+              <a:rPr lang="en-US" altLang="zh-CHS" sz="2200" b="1" dirty="0" smtClean="0"/>
               <a:t> green, </a:t>
             </a:r>
             <a:r>
-              <a:rPr lang="en-US" altLang="zh-CN" sz="2200" b="1" dirty="0" err="1" smtClean="0"/>
+              <a:rPr lang="en-US" altLang="zh-CHS" sz="2200" b="1" dirty="0" err="1" smtClean="0"/>
               <a:t>GLfloat</a:t>
             </a:r>
             <a:r>
-              <a:rPr lang="en-US" altLang="zh-CN" sz="2200" b="1" dirty="0" smtClean="0"/>
+              <a:rPr lang="en-US" altLang="zh-CHS" sz="2200" b="1" dirty="0" smtClean="0"/>
               <a:t> blue)</a:t>
             </a:r>
           </a:p>
           <a:p>
-            <a:endParaRPr lang="en-US" altLang="zh-CN" sz="1800" b="1" dirty="0" smtClean="0"/>
+            <a:endParaRPr lang="en-US" altLang="zh-CHS" sz="1800" b="1" dirty="0" smtClean="0"/>
           </a:p>
           <a:p>
             <a:pPr lvl="1"/>
             <a:r>
-              <a:rPr lang="en-US" altLang="zh-CN" sz="1800" dirty="0" smtClean="0"/>
+              <a:rPr lang="en-US" altLang="zh-CHS" sz="1800" dirty="0" smtClean="0"/>
               <a:t>Each component ranges from 0.0~1.0</a:t>
             </a:r>
           </a:p>
           <a:p>
             <a:pPr lvl="1"/>
-            <a:endParaRPr lang="en-US" altLang="zh-CN" sz="1800" dirty="0" smtClean="0"/>
+            <a:endParaRPr lang="en-US" altLang="zh-CHS" sz="1800" dirty="0" smtClean="0"/>
           </a:p>
           <a:p>
             <a:pPr lvl="1"/>
             <a:r>
-              <a:rPr lang="en-US" altLang="zh-CN" sz="1800" dirty="0" smtClean="0"/>
+              <a:rPr lang="en-US" altLang="zh-CHS" sz="1800" dirty="0" smtClean="0"/>
               <a:t>This call sets the color of a vertex</a:t>
             </a:r>
           </a:p>
           <a:p>
             <a:pPr lvl="2"/>
             <a:r>
-              <a:rPr lang="en-US" altLang="zh-CN" sz="1600" dirty="0" smtClean="0"/>
+              <a:rPr lang="en-US" altLang="zh-CHS" sz="1600" dirty="0" smtClean="0"/>
               <a:t>Effect lasts until another call of this function</a:t>
             </a:r>
           </a:p>
           <a:p>
             <a:pPr lvl="2"/>
-            <a:endParaRPr lang="en-US" altLang="zh-CN" sz="1400" dirty="0" smtClean="0"/>
+            <a:endParaRPr lang="en-US" altLang="zh-CHS" sz="1400" dirty="0" smtClean="0"/>
           </a:p>
           <a:p>
             <a:pPr lvl="1"/>
             <a:r>
-              <a:rPr lang="en-US" altLang="zh-CN" sz="1800" dirty="0" smtClean="0"/>
+              <a:rPr lang="en-US" altLang="zh-CHS" sz="1800" dirty="0" smtClean="0"/>
               <a:t>Different colors on each vertex of a triangle</a:t>
             </a:r>
           </a:p>
           <a:p>
             <a:pPr lvl="2"/>
             <a:r>
-              <a:rPr lang="en-US" altLang="zh-CN" sz="1600" dirty="0" err="1" smtClean="0"/>
+              <a:rPr lang="en-US" altLang="zh-CHS" sz="1600" dirty="0" err="1" smtClean="0"/>
               <a:t>glShadeModel</a:t>
             </a:r>
             <a:r>
-              <a:rPr lang="en-US" altLang="zh-CN" sz="1600" dirty="0" smtClean="0"/>
+              <a:rPr lang="en-US" altLang="zh-CHS" sz="1600" dirty="0" smtClean="0"/>
               <a:t>(GL_SMOOTH)</a:t>
             </a:r>
           </a:p>
           <a:p>
             <a:pPr lvl="2"/>
             <a:r>
-              <a:rPr lang="en-US" altLang="zh-CN" sz="1600" dirty="0" smtClean="0"/>
+              <a:rPr lang="en-US" altLang="zh-CHS" sz="1600" dirty="0" smtClean="0"/>
               <a:t>GL_FLAT — only use one color of the vertices</a:t>
             </a:r>
           </a:p>
           <a:p>
             <a:pPr lvl="2"/>
-            <a:endParaRPr lang="en-US" altLang="zh-CN" sz="1400" dirty="0" smtClean="0"/>
+            <a:endParaRPr lang="en-US" altLang="zh-CHS" sz="1400" dirty="0" smtClean="0"/>
           </a:p>
           <a:p>
             <a:pPr lvl="2"/>
-            <a:endParaRPr lang="en-US" altLang="zh-CN" sz="1600" dirty="0" smtClean="0"/>
+            <a:endParaRPr lang="en-US" altLang="zh-CHS" sz="1600" dirty="0" smtClean="0"/>
           </a:p>
         </p:txBody>
       </p:sp>
@@ -7933,10 +7960,10 @@
           <a:lstStyle/>
           <a:p>
             <a:r>
-              <a:rPr lang="en-US" altLang="zh-CN" sz="4000" dirty="0" smtClean="0"/>
+              <a:rPr lang="en-US" altLang="zh-CHS" sz="4000" dirty="0" smtClean="0"/>
               <a:t>Using GLUT</a:t>
             </a:r>
-            <a:endParaRPr lang="zh-CN" altLang="en-US" sz="4000" dirty="0"/>
+            <a:endParaRPr lang="zh-CHS" altLang="en-US" sz="4000" dirty="0"/>
           </a:p>
         </p:txBody>
       </p:sp>
@@ -7990,58 +8017,53 @@
           <a:lstStyle/>
           <a:p>
             <a:r>
-              <a:rPr lang="en-US" altLang="zh-CN" sz="2200" dirty="0" smtClean="0"/>
+              <a:rPr lang="en-US" altLang="zh-CHS" sz="2200" dirty="0" smtClean="0"/>
               <a:t>Things seem to be done until here…</a:t>
             </a:r>
           </a:p>
           <a:p>
-            <a:endParaRPr lang="en-US" altLang="zh-CN" sz="2200" dirty="0" smtClean="0"/>
-          </a:p>
-          <a:p>
-            <a:r>
-              <a:rPr lang="en-US" altLang="zh-CN" sz="2200" dirty="0" smtClean="0"/>
+            <a:endParaRPr lang="en-US" altLang="zh-CHS" sz="2200" dirty="0" smtClean="0"/>
+          </a:p>
+          <a:p>
+            <a:r>
+              <a:rPr lang="en-US" altLang="zh-CHS" sz="2200" dirty="0" smtClean="0"/>
               <a:t>Try if you can see what you expected to draw</a:t>
             </a:r>
           </a:p>
           <a:p>
-            <a:endParaRPr lang="en-US" altLang="zh-CN" sz="2200" dirty="0" smtClean="0"/>
-          </a:p>
-          <a:p>
-            <a:r>
-              <a:rPr lang="en-US" altLang="zh-CN" sz="2200" dirty="0" smtClean="0"/>
+            <a:endParaRPr lang="en-US" altLang="zh-CHS" sz="2200" dirty="0" smtClean="0"/>
+          </a:p>
+          <a:p>
+            <a:r>
+              <a:rPr lang="en-US" altLang="zh-CHS" sz="2200" dirty="0" smtClean="0"/>
               <a:t>The answer is probably NO..</a:t>
             </a:r>
           </a:p>
           <a:p>
             <a:pPr lvl="1"/>
             <a:r>
-              <a:rPr lang="en-US" altLang="zh-CN" sz="1800" dirty="0" smtClean="0"/>
+              <a:rPr lang="en-US" altLang="zh-CHS" sz="1800" dirty="0" smtClean="0"/>
               <a:t>If you draw the object on the z=0 plane</a:t>
             </a:r>
           </a:p>
           <a:p>
-            <a:endParaRPr lang="en-US" altLang="zh-CN" sz="2200" dirty="0" smtClean="0"/>
-          </a:p>
-          <a:p>
-            <a:r>
-              <a:rPr lang="en-US" altLang="zh-CN" sz="2200" dirty="0" smtClean="0"/>
-              <a:t>Why</a:t>
-            </a:r>
-            <a:r>
-              <a:rPr lang="en-US" altLang="zh-CN" sz="2200" dirty="0" smtClean="0"/>
-              <a:t>?</a:t>
+            <a:endParaRPr lang="en-US" altLang="zh-CHS" sz="2200" dirty="0" smtClean="0"/>
+          </a:p>
+          <a:p>
+            <a:r>
+              <a:rPr lang="en-US" altLang="zh-CHS" sz="2200" dirty="0" smtClean="0"/>
+              <a:t>Why?</a:t>
             </a:r>
           </a:p>
           <a:p>
             <a:pPr lvl="1"/>
             <a:r>
-              <a:rPr lang="en-US" altLang="zh-CN" sz="1800" dirty="0" smtClean="0"/>
+              <a:rPr lang="en-US" altLang="zh-CHS" sz="1800" dirty="0" smtClean="0"/>
               <a:t>Because we still don’t know which direction we’re looking into</a:t>
             </a:r>
-            <a:endParaRPr lang="en-US" altLang="zh-CN" sz="1800" dirty="0" smtClean="0"/>
-          </a:p>
-          <a:p>
-            <a:endParaRPr lang="en-US" altLang="zh-CN" sz="1600" dirty="0" smtClean="0"/>
+          </a:p>
+          <a:p>
+            <a:endParaRPr lang="en-US" altLang="zh-CHS" sz="1600" dirty="0" smtClean="0"/>
           </a:p>
         </p:txBody>
       </p:sp>
@@ -8063,10 +8085,10 @@
           <a:lstStyle/>
           <a:p>
             <a:r>
-              <a:rPr lang="en-US" altLang="zh-CN" sz="4000" dirty="0" smtClean="0"/>
+              <a:rPr lang="en-US" altLang="zh-CHS" sz="4000" dirty="0" smtClean="0"/>
               <a:t>Using GLUT</a:t>
             </a:r>
-            <a:endParaRPr lang="zh-CN" altLang="en-US" sz="4000" dirty="0"/>
+            <a:endParaRPr lang="zh-CHS" altLang="en-US" sz="4000" dirty="0"/>
           </a:p>
         </p:txBody>
       </p:sp>
@@ -8120,40 +8142,39 @@
           <a:lstStyle/>
           <a:p>
             <a:r>
-              <a:rPr lang="en-US" altLang="zh-CN" sz="2200" dirty="0" err="1" smtClean="0"/>
+              <a:rPr lang="en-US" altLang="zh-CHS" sz="2200" dirty="0" err="1" smtClean="0"/>
               <a:t>gluLookAt</a:t>
             </a:r>
             <a:r>
-              <a:rPr lang="en-US" altLang="zh-CN" sz="2200" dirty="0" smtClean="0"/>
+              <a:rPr lang="en-US" altLang="zh-CHS" sz="2200" dirty="0" smtClean="0"/>
               <a:t>()</a:t>
             </a:r>
-            <a:endParaRPr lang="en-US" altLang="zh-CN" sz="2200" dirty="0" smtClean="0"/>
           </a:p>
           <a:p>
             <a:pPr lvl="1"/>
             <a:r>
-              <a:rPr lang="en-US" altLang="zh-CN" sz="1800" dirty="0" smtClean="0"/>
+              <a:rPr lang="en-US" altLang="zh-CHS" sz="1800" dirty="0" smtClean="0"/>
               <a:t>This function will set </a:t>
             </a:r>
           </a:p>
           <a:p>
             <a:pPr lvl="2"/>
             <a:r>
-              <a:rPr lang="en-US" altLang="zh-CN" sz="1600" dirty="0" smtClean="0"/>
+              <a:rPr lang="en-US" altLang="zh-CHS" sz="1600" dirty="0" smtClean="0"/>
               <a:t>“where your eyes will be” </a:t>
             </a:r>
           </a:p>
           <a:p>
             <a:pPr lvl="2"/>
             <a:r>
-              <a:rPr lang="en-US" altLang="zh-CN" sz="1600" dirty="0" smtClean="0"/>
+              <a:rPr lang="en-US" altLang="zh-CHS" sz="1600" dirty="0" smtClean="0"/>
               <a:t>“which direction you’re look into”</a:t>
             </a:r>
           </a:p>
           <a:p>
             <a:pPr lvl="2"/>
             <a:r>
-              <a:rPr lang="en-US" altLang="zh-CN" sz="1600" dirty="0" smtClean="0"/>
+              <a:rPr lang="en-US" altLang="zh-CHS" sz="1600" dirty="0" smtClean="0"/>
               <a:t>“which direction is UP for your head”</a:t>
             </a:r>
           </a:p>
@@ -8162,7 +8183,7 @@
               <a:buNone/>
             </a:pPr>
             <a:r>
-              <a:rPr lang="en-US" altLang="zh-CN" sz="1800" dirty="0" smtClean="0"/>
+              <a:rPr lang="en-US" altLang="zh-CHS" sz="1800" dirty="0" smtClean="0"/>
               <a:t>	in the coordinate system in OpenGL</a:t>
             </a:r>
           </a:p>
@@ -8170,42 +8191,42 @@
             <a:pPr lvl="2">
               <a:buNone/>
             </a:pPr>
-            <a:endParaRPr lang="en-US" altLang="zh-CN" sz="1600" dirty="0" smtClean="0"/>
+            <a:endParaRPr lang="en-US" altLang="zh-CHS" sz="1600" dirty="0" smtClean="0"/>
           </a:p>
           <a:p>
             <a:pPr lvl="1"/>
-            <a:endParaRPr lang="en-US" altLang="zh-CN" sz="1800" dirty="0" smtClean="0"/>
+            <a:endParaRPr lang="en-US" altLang="zh-CHS" sz="1800" dirty="0" smtClean="0"/>
           </a:p>
           <a:p>
             <a:pPr lvl="1"/>
             <a:r>
-              <a:rPr lang="en-US" altLang="zh-CN" sz="1800" dirty="0" smtClean="0"/>
+              <a:rPr lang="en-US" altLang="zh-CHS" sz="1800" dirty="0" smtClean="0"/>
               <a:t>The default value will be set as</a:t>
             </a:r>
           </a:p>
           <a:p>
             <a:pPr lvl="2"/>
             <a:r>
-              <a:rPr lang="en-US" altLang="zh-CN" sz="1600" dirty="0" smtClean="0"/>
+              <a:rPr lang="en-US" altLang="zh-CHS" sz="1600" dirty="0" smtClean="0"/>
               <a:t>Eyes will be at origin</a:t>
             </a:r>
           </a:p>
           <a:p>
             <a:pPr lvl="2"/>
             <a:r>
-              <a:rPr lang="en-US" altLang="zh-CN" sz="1600" dirty="0" smtClean="0"/>
+              <a:rPr lang="en-US" altLang="zh-CHS" sz="1600" dirty="0" smtClean="0"/>
               <a:t>Look into –z axis</a:t>
             </a:r>
           </a:p>
           <a:p>
             <a:pPr lvl="2"/>
             <a:r>
-              <a:rPr lang="en-US" altLang="zh-CN" sz="1600" dirty="0" smtClean="0"/>
+              <a:rPr lang="en-US" altLang="zh-CHS" sz="1600" dirty="0" smtClean="0"/>
               <a:t>+y axis will be UP for you</a:t>
             </a:r>
           </a:p>
           <a:p>
-            <a:endParaRPr lang="en-US" altLang="zh-CN" sz="1600" dirty="0" smtClean="0"/>
+            <a:endParaRPr lang="en-US" altLang="zh-CHS" sz="1600" dirty="0" smtClean="0"/>
           </a:p>
         </p:txBody>
       </p:sp>
@@ -8227,10 +8248,10 @@
           <a:lstStyle/>
           <a:p>
             <a:r>
-              <a:rPr lang="en-US" altLang="zh-CN" sz="4000" dirty="0" smtClean="0"/>
+              <a:rPr lang="en-US" altLang="zh-CHS" sz="4000" dirty="0" smtClean="0"/>
               <a:t>Using GLUT</a:t>
             </a:r>
-            <a:endParaRPr lang="zh-CN" altLang="en-US" sz="4000" dirty="0"/>
+            <a:endParaRPr lang="zh-CHS" altLang="en-US" sz="4000" dirty="0"/>
           </a:p>
         </p:txBody>
       </p:sp>
@@ -8284,58 +8305,58 @@
           <a:lstStyle/>
           <a:p>
             <a:r>
-              <a:rPr lang="en-US" altLang="zh-CN" sz="2200" dirty="0" smtClean="0"/>
+              <a:rPr lang="en-US" altLang="zh-CHS" sz="2200" dirty="0" smtClean="0"/>
               <a:t>So how can you expect to see things </a:t>
             </a:r>
             <a:r>
-              <a:rPr lang="en-US" altLang="zh-CN" sz="2200" b="1" dirty="0" smtClean="0"/>
+              <a:rPr lang="en-US" altLang="zh-CHS" sz="2200" b="1" dirty="0" smtClean="0"/>
               <a:t>IN </a:t>
             </a:r>
             <a:r>
-              <a:rPr lang="en-US" altLang="zh-CN" sz="2200" dirty="0" smtClean="0"/>
+              <a:rPr lang="en-US" altLang="zh-CHS" sz="2200" dirty="0" smtClean="0"/>
               <a:t>your eyes? </a:t>
             </a:r>
             <a:r>
-              <a:rPr lang="en-US" altLang="zh-CN" sz="2200" dirty="0" smtClean="0">
+              <a:rPr lang="en-US" altLang="zh-CHS" sz="2200" dirty="0" smtClean="0">
                 <a:sym typeface="Wingdings" pitchFamily="2" charset="2"/>
               </a:rPr>
               <a:t></a:t>
             </a:r>
           </a:p>
           <a:p>
-            <a:endParaRPr lang="en-US" altLang="zh-CN" sz="2200" dirty="0" smtClean="0">
+            <a:endParaRPr lang="en-US" altLang="zh-CHS" sz="2200" dirty="0" smtClean="0">
               <a:sym typeface="Wingdings" pitchFamily="2" charset="2"/>
             </a:endParaRPr>
           </a:p>
           <a:p>
             <a:r>
-              <a:rPr lang="en-US" altLang="zh-CN" sz="2200" dirty="0" smtClean="0"/>
+              <a:rPr lang="en-US" altLang="zh-CHS" sz="2200" dirty="0" smtClean="0"/>
               <a:t>Of course, set </a:t>
             </a:r>
             <a:r>
-              <a:rPr lang="en-US" altLang="zh-CN" sz="2200" dirty="0" err="1" smtClean="0"/>
+              <a:rPr lang="en-US" altLang="zh-CHS" sz="2200" dirty="0" err="1" smtClean="0"/>
               <a:t>gluLookAt</a:t>
             </a:r>
             <a:r>
-              <a:rPr lang="en-US" altLang="zh-CN" sz="2200" dirty="0" smtClean="0"/>
+              <a:rPr lang="en-US" altLang="zh-CHS" sz="2200" dirty="0" smtClean="0"/>
               <a:t>() is a good choice…</a:t>
             </a:r>
           </a:p>
           <a:p>
-            <a:endParaRPr lang="en-US" altLang="zh-CN" sz="2200" dirty="0" smtClean="0"/>
-          </a:p>
-          <a:p>
-            <a:r>
-              <a:rPr lang="en-US" altLang="zh-CN" sz="2200" dirty="0" smtClean="0"/>
+            <a:endParaRPr lang="en-US" altLang="zh-CHS" sz="2200" dirty="0" smtClean="0"/>
+          </a:p>
+          <a:p>
+            <a:r>
+              <a:rPr lang="en-US" altLang="zh-CHS" sz="2200" dirty="0" smtClean="0"/>
               <a:t>Transformation is what we will talk about below…</a:t>
             </a:r>
-            <a:endParaRPr lang="en-US" altLang="zh-CN" sz="1800" dirty="0" smtClean="0"/>
-          </a:p>
-          <a:p>
-            <a:endParaRPr lang="en-US" altLang="zh-CN" sz="1600" dirty="0" smtClean="0"/>
-          </a:p>
-          <a:p>
-            <a:endParaRPr lang="en-US" altLang="zh-CN" sz="1600" dirty="0" smtClean="0"/>
+            <a:endParaRPr lang="en-US" altLang="zh-CHS" sz="1800" dirty="0" smtClean="0"/>
+          </a:p>
+          <a:p>
+            <a:endParaRPr lang="en-US" altLang="zh-CHS" sz="1600" dirty="0" smtClean="0"/>
+          </a:p>
+          <a:p>
+            <a:endParaRPr lang="en-US" altLang="zh-CHS" sz="1600" dirty="0" smtClean="0"/>
           </a:p>
         </p:txBody>
       </p:sp>
@@ -8357,10 +8378,10 @@
           <a:lstStyle/>
           <a:p>
             <a:r>
-              <a:rPr lang="en-US" altLang="zh-CN" sz="4000" dirty="0" smtClean="0"/>
+              <a:rPr lang="en-US" altLang="zh-CHS" sz="4000" dirty="0" smtClean="0"/>
               <a:t>Using GLUT</a:t>
             </a:r>
-            <a:endParaRPr lang="zh-CN" altLang="en-US" sz="4000" dirty="0"/>
+            <a:endParaRPr lang="zh-CHS" altLang="en-US" sz="4000" dirty="0"/>
           </a:p>
         </p:txBody>
       </p:sp>
@@ -8414,123 +8435,123 @@
           <a:lstStyle/>
           <a:p>
             <a:r>
-              <a:rPr lang="en-US" altLang="zh-CN" sz="2200" b="1" dirty="0" err="1" smtClean="0"/>
+              <a:rPr lang="en-US" altLang="zh-CHS" sz="2200" b="1" dirty="0" err="1" smtClean="0"/>
               <a:t>glTranslatef</a:t>
             </a:r>
             <a:r>
-              <a:rPr lang="en-US" altLang="zh-CN" sz="2200" b="1" dirty="0" smtClean="0"/>
+              <a:rPr lang="en-US" altLang="zh-CHS" sz="2200" b="1" dirty="0" smtClean="0"/>
               <a:t>(</a:t>
             </a:r>
             <a:r>
-              <a:rPr lang="en-US" altLang="zh-CN" sz="2200" b="1" dirty="0" err="1" smtClean="0"/>
+              <a:rPr lang="en-US" altLang="zh-CHS" sz="2200" b="1" dirty="0" err="1" smtClean="0"/>
               <a:t>GLfloat</a:t>
             </a:r>
             <a:r>
-              <a:rPr lang="en-US" altLang="zh-CN" sz="2200" b="1" dirty="0" smtClean="0"/>
+              <a:rPr lang="en-US" altLang="zh-CHS" sz="2200" b="1" dirty="0" smtClean="0"/>
               <a:t> x, </a:t>
             </a:r>
             <a:r>
-              <a:rPr lang="en-US" altLang="zh-CN" sz="2200" b="1" dirty="0" err="1" smtClean="0"/>
+              <a:rPr lang="en-US" altLang="zh-CHS" sz="2200" b="1" dirty="0" err="1" smtClean="0"/>
               <a:t>GLfloat</a:t>
             </a:r>
             <a:r>
-              <a:rPr lang="en-US" altLang="zh-CN" sz="2200" b="1" dirty="0" smtClean="0"/>
+              <a:rPr lang="en-US" altLang="zh-CHS" sz="2200" b="1" dirty="0" smtClean="0"/>
               <a:t> y, </a:t>
             </a:r>
             <a:r>
-              <a:rPr lang="en-US" altLang="zh-CN" sz="2200" b="1" dirty="0" err="1" smtClean="0"/>
+              <a:rPr lang="en-US" altLang="zh-CHS" sz="2200" b="1" dirty="0" err="1" smtClean="0"/>
               <a:t>GLfloat</a:t>
             </a:r>
             <a:r>
-              <a:rPr lang="en-US" altLang="zh-CN" sz="2200" b="1" dirty="0" smtClean="0"/>
+              <a:rPr lang="en-US" altLang="zh-CHS" sz="2200" b="1" dirty="0" smtClean="0"/>
               <a:t> z)</a:t>
             </a:r>
           </a:p>
           <a:p>
             <a:pPr lvl="1"/>
             <a:r>
-              <a:rPr lang="en-US" altLang="zh-CN" sz="1800" dirty="0" smtClean="0"/>
+              <a:rPr lang="en-US" altLang="zh-CHS" sz="1800" dirty="0" smtClean="0"/>
               <a:t>Translate what you draw</a:t>
             </a:r>
           </a:p>
           <a:p>
             <a:pPr lvl="1"/>
             <a:r>
-              <a:rPr lang="en-US" altLang="zh-CN" sz="1800" dirty="0" smtClean="0"/>
+              <a:rPr lang="en-US" altLang="zh-CHS" sz="1800" dirty="0" smtClean="0"/>
               <a:t>If current position is (</a:t>
             </a:r>
             <a:r>
-              <a:rPr lang="en-US" altLang="zh-CN" sz="1800" dirty="0" err="1" smtClean="0"/>
+              <a:rPr lang="en-US" altLang="zh-CHS" sz="1800" dirty="0" err="1" smtClean="0"/>
               <a:t>xc</a:t>
             </a:r>
             <a:r>
-              <a:rPr lang="en-US" altLang="zh-CN" sz="1800" dirty="0" smtClean="0"/>
+              <a:rPr lang="en-US" altLang="zh-CHS" sz="1800" dirty="0" smtClean="0"/>
               <a:t>, </a:t>
             </a:r>
             <a:r>
-              <a:rPr lang="en-US" altLang="zh-CN" sz="1800" dirty="0" err="1" smtClean="0"/>
+              <a:rPr lang="en-US" altLang="zh-CHS" sz="1800" dirty="0" err="1" smtClean="0"/>
               <a:t>yc</a:t>
             </a:r>
             <a:r>
-              <a:rPr lang="en-US" altLang="zh-CN" sz="1800" dirty="0" smtClean="0"/>
+              <a:rPr lang="en-US" altLang="zh-CHS" sz="1800" dirty="0" smtClean="0"/>
               <a:t>, </a:t>
             </a:r>
             <a:r>
-              <a:rPr lang="en-US" altLang="zh-CN" sz="1800" dirty="0" err="1" smtClean="0"/>
+              <a:rPr lang="en-US" altLang="zh-CHS" sz="1800" dirty="0" err="1" smtClean="0"/>
               <a:t>zc</a:t>
             </a:r>
             <a:r>
-              <a:rPr lang="en-US" altLang="zh-CN" sz="1800" dirty="0" smtClean="0"/>
+              <a:rPr lang="en-US" altLang="zh-CHS" sz="1800" dirty="0" smtClean="0"/>
               <a:t>)</a:t>
             </a:r>
           </a:p>
           <a:p>
             <a:pPr lvl="1"/>
             <a:r>
-              <a:rPr lang="en-US" altLang="zh-CN" sz="1800" dirty="0" smtClean="0"/>
+              <a:rPr lang="en-US" altLang="zh-CHS" sz="1800" dirty="0" smtClean="0"/>
               <a:t>Then the transformed position is (</a:t>
             </a:r>
             <a:r>
-              <a:rPr lang="en-US" altLang="zh-CN" sz="1800" dirty="0" err="1" smtClean="0"/>
+              <a:rPr lang="en-US" altLang="zh-CHS" sz="1800" dirty="0" err="1" smtClean="0"/>
               <a:t>xc+x</a:t>
             </a:r>
             <a:r>
-              <a:rPr lang="en-US" altLang="zh-CN" sz="1800" dirty="0" smtClean="0"/>
+              <a:rPr lang="en-US" altLang="zh-CHS" sz="1800" dirty="0" smtClean="0"/>
               <a:t>, </a:t>
             </a:r>
             <a:r>
-              <a:rPr lang="en-US" altLang="zh-CN" sz="1800" dirty="0" err="1" smtClean="0"/>
+              <a:rPr lang="en-US" altLang="zh-CHS" sz="1800" dirty="0" err="1" smtClean="0"/>
               <a:t>yc+y</a:t>
             </a:r>
             <a:r>
-              <a:rPr lang="en-US" altLang="zh-CN" sz="1800" dirty="0" smtClean="0"/>
+              <a:rPr lang="en-US" altLang="zh-CHS" sz="1800" dirty="0" smtClean="0"/>
               <a:t>, </a:t>
             </a:r>
             <a:r>
-              <a:rPr lang="en-US" altLang="zh-CN" sz="1800" dirty="0" err="1" smtClean="0"/>
+              <a:rPr lang="en-US" altLang="zh-CHS" sz="1800" dirty="0" err="1" smtClean="0"/>
               <a:t>zc+z</a:t>
             </a:r>
             <a:r>
-              <a:rPr lang="en-US" altLang="zh-CN" sz="1800" dirty="0" smtClean="0"/>
+              <a:rPr lang="en-US" altLang="zh-CHS" sz="1800" dirty="0" smtClean="0"/>
               <a:t>)</a:t>
             </a:r>
-            <a:endParaRPr lang="en-US" altLang="zh-CN" sz="400" dirty="0" smtClean="0"/>
-          </a:p>
-          <a:p>
-            <a:r>
-              <a:rPr lang="en-US" altLang="zh-CN" sz="2200" dirty="0" smtClean="0"/>
+            <a:endParaRPr lang="en-US" altLang="zh-CHS" sz="400" dirty="0" smtClean="0"/>
+          </a:p>
+          <a:p>
+            <a:r>
+              <a:rPr lang="en-US" altLang="zh-CHS" sz="2200" dirty="0" smtClean="0"/>
               <a:t>Note</a:t>
             </a:r>
           </a:p>
           <a:p>
             <a:pPr lvl="1"/>
             <a:r>
-              <a:rPr lang="en-US" altLang="zh-CN" sz="1800" dirty="0" smtClean="0"/>
+              <a:rPr lang="en-US" altLang="zh-CHS" sz="1800" dirty="0" smtClean="0"/>
               <a:t>Transformation is set BEFORE you draw</a:t>
             </a:r>
           </a:p>
           <a:p>
-            <a:endParaRPr lang="en-US" altLang="zh-CN" sz="1600" dirty="0" smtClean="0"/>
+            <a:endParaRPr lang="en-US" altLang="zh-CHS" sz="1600" dirty="0" smtClean="0"/>
           </a:p>
         </p:txBody>
       </p:sp>
@@ -8552,10 +8573,10 @@
           <a:lstStyle/>
           <a:p>
             <a:r>
-              <a:rPr lang="en-US" altLang="zh-CN" sz="3600" dirty="0" smtClean="0"/>
+              <a:rPr lang="en-US" altLang="zh-CHS" sz="3600" dirty="0" smtClean="0"/>
               <a:t>Transformation functions</a:t>
             </a:r>
-            <a:endParaRPr lang="zh-CN" altLang="en-US" sz="3600" dirty="0"/>
+            <a:endParaRPr lang="zh-CHS" altLang="en-US" sz="3600" dirty="0"/>
           </a:p>
         </p:txBody>
       </p:sp>
@@ -8607,52 +8628,52 @@
           <a:lstStyle/>
           <a:p>
             <a:r>
-              <a:rPr lang="en-US" altLang="zh-CN" dirty="0" smtClean="0"/>
+              <a:rPr lang="en-US" altLang="zh-CHS" dirty="0" smtClean="0"/>
               <a:t>What will we do?</a:t>
             </a:r>
           </a:p>
           <a:p>
             <a:pPr lvl="1"/>
             <a:r>
-              <a:rPr lang="en-US" altLang="zh-CN" dirty="0" smtClean="0"/>
+              <a:rPr lang="en-US" altLang="zh-CHS" dirty="0" smtClean="0"/>
               <a:t>Show the effects we will achieve</a:t>
             </a:r>
           </a:p>
           <a:p>
             <a:r>
-              <a:rPr lang="en-US" altLang="zh-CN" dirty="0" smtClean="0"/>
+              <a:rPr lang="en-US" altLang="zh-CHS" dirty="0" smtClean="0"/>
               <a:t>Main techniques we need</a:t>
             </a:r>
           </a:p>
           <a:p>
             <a:pPr lvl="1"/>
             <a:r>
-              <a:rPr lang="en-US" altLang="zh-CN" dirty="0" smtClean="0"/>
+              <a:rPr lang="en-US" altLang="zh-CHS" dirty="0" smtClean="0"/>
               <a:t>Talk about the corresponding content in OpenGL</a:t>
             </a:r>
           </a:p>
           <a:p>
             <a:r>
-              <a:rPr lang="en-US" altLang="zh-CN" dirty="0" smtClean="0"/>
+              <a:rPr lang="en-US" altLang="zh-CHS" dirty="0" smtClean="0"/>
               <a:t>Exercise time &amp; Some more (Optional)</a:t>
             </a:r>
           </a:p>
           <a:p>
             <a:pPr lvl="1"/>
             <a:r>
-              <a:rPr lang="en-US" altLang="zh-CN" dirty="0" smtClean="0"/>
+              <a:rPr lang="en-US" altLang="zh-CHS" dirty="0" smtClean="0"/>
               <a:t>Try to understand what we learn and do the exercises</a:t>
             </a:r>
           </a:p>
           <a:p>
             <a:pPr lvl="1"/>
             <a:r>
-              <a:rPr lang="en-US" altLang="zh-CN" dirty="0" smtClean="0"/>
+              <a:rPr lang="en-US" altLang="zh-CHS" dirty="0" smtClean="0"/>
               <a:t>Some extension</a:t>
             </a:r>
           </a:p>
           <a:p>
-            <a:endParaRPr lang="en-US" altLang="zh-CN" dirty="0" smtClean="0"/>
+            <a:endParaRPr lang="en-US" altLang="zh-CHS" dirty="0" smtClean="0"/>
           </a:p>
         </p:txBody>
       </p:sp>
@@ -8672,10 +8693,10 @@
           <a:lstStyle/>
           <a:p>
             <a:r>
-              <a:rPr lang="en-US" altLang="zh-CN" dirty="0" smtClean="0"/>
+              <a:rPr lang="en-US" altLang="zh-CHS" dirty="0" smtClean="0"/>
               <a:t>Process of each lesson</a:t>
             </a:r>
-            <a:endParaRPr lang="zh-CN" altLang="en-US" dirty="0"/>
+            <a:endParaRPr lang="zh-CHS" altLang="en-US" dirty="0"/>
           </a:p>
         </p:txBody>
       </p:sp>
@@ -8727,19 +8748,19 @@
           <a:lstStyle/>
           <a:p>
             <a:r>
-              <a:rPr lang="en-US" altLang="zh-CN" dirty="0" smtClean="0"/>
+              <a:rPr lang="en-US" altLang="zh-CHS" dirty="0" smtClean="0"/>
               <a:t>What will we do?</a:t>
             </a:r>
           </a:p>
           <a:p>
             <a:r>
-              <a:rPr lang="en-US" altLang="zh-CN" dirty="0" smtClean="0"/>
+              <a:rPr lang="en-US" altLang="zh-CHS" dirty="0" smtClean="0"/>
               <a:t>Main techniques we need</a:t>
             </a:r>
           </a:p>
           <a:p>
             <a:r>
-              <a:rPr lang="en-US" altLang="zh-CN" dirty="0" smtClean="0">
+              <a:rPr lang="en-US" altLang="zh-CHS" dirty="0" smtClean="0">
                 <a:solidFill>
                   <a:srgbClr val="FF0000"/>
                 </a:solidFill>
@@ -8765,10 +8786,10 @@
           <a:lstStyle/>
           <a:p>
             <a:r>
-              <a:rPr lang="en-US" altLang="zh-CN" dirty="0" smtClean="0"/>
+              <a:rPr lang="en-US" altLang="zh-CHS" dirty="0" smtClean="0"/>
               <a:t>Week 2</a:t>
             </a:r>
-            <a:endParaRPr lang="zh-CN" altLang="en-US" dirty="0"/>
+            <a:endParaRPr lang="zh-CHS" altLang="en-US" dirty="0"/>
           </a:p>
         </p:txBody>
       </p:sp>
@@ -8827,16 +8848,16 @@
           <a:lstStyle/>
           <a:p>
             <a:r>
-              <a:rPr lang="en-US" altLang="zh-CN" sz="2200" dirty="0" smtClean="0"/>
+              <a:rPr lang="en-US" altLang="zh-CHS" sz="2200" dirty="0" smtClean="0"/>
               <a:t>Try draw a triangle and a quad in a window</a:t>
             </a:r>
           </a:p>
           <a:p>
             <a:r>
-              <a:rPr lang="en-US" altLang="zh-CN" sz="2200" dirty="0" smtClean="0"/>
+              <a:rPr lang="en-US" altLang="zh-CHS" sz="2200" dirty="0" smtClean="0"/>
               <a:t>Try to set the colors you want</a:t>
             </a:r>
-            <a:endParaRPr lang="en-US" altLang="zh-CN" sz="1600" dirty="0" smtClean="0"/>
+            <a:endParaRPr lang="en-US" altLang="zh-CHS" sz="1600" dirty="0" smtClean="0"/>
           </a:p>
         </p:txBody>
       </p:sp>
@@ -8863,10 +8884,10 @@
           <a:lstStyle/>
           <a:p>
             <a:r>
-              <a:rPr lang="en-US" altLang="zh-CN" sz="3600" dirty="0" smtClean="0"/>
+              <a:rPr lang="en-US" altLang="zh-CHS" sz="3600" dirty="0" smtClean="0"/>
               <a:t>Some more(Optional)…</a:t>
             </a:r>
-            <a:endParaRPr lang="zh-CN" altLang="en-US" sz="3600" dirty="0"/>
+            <a:endParaRPr lang="zh-CHS" altLang="en-US" sz="3600" dirty="0"/>
           </a:p>
         </p:txBody>
       </p:sp>
@@ -8918,7 +8939,7 @@
               <a:defRPr/>
             </a:pPr>
             <a:r>
-              <a:rPr kumimoji="0" lang="en-US" altLang="zh-CN" sz="3600" b="1" i="0" u="none" strike="noStrike" kern="1200" cap="none" spc="0" normalizeH="0" baseline="0" noProof="0" dirty="0" smtClean="0">
+              <a:rPr kumimoji="0" lang="en-US" altLang="zh-CHS" sz="3600" b="1" i="0" u="none" strike="noStrike" kern="1200" cap="none" spc="0" normalizeH="0" baseline="0" noProof="0" dirty="0" smtClean="0">
                 <a:ln>
                   <a:noFill/>
                 </a:ln>
@@ -8940,7 +8961,7 @@
               </a:rPr>
               <a:t>Exercise time</a:t>
             </a:r>
-            <a:endParaRPr kumimoji="0" lang="zh-CN" altLang="en-US" sz="3600" b="1" i="0" u="none" strike="noStrike" kern="1200" cap="none" spc="0" normalizeH="0" baseline="0" noProof="0" dirty="0">
+            <a:endParaRPr kumimoji="0" lang="zh-CHS" altLang="en-US" sz="3600" b="1" i="0" u="none" strike="noStrike" kern="1200" cap="none" spc="0" normalizeH="0" baseline="0" noProof="0" dirty="0">
               <a:ln>
                 <a:noFill/>
               </a:ln>
@@ -9006,7 +9027,7 @@
               <a:defRPr/>
             </a:pPr>
             <a:r>
-              <a:rPr kumimoji="0" lang="en-US" altLang="zh-CN" sz="2200" b="0" i="0" u="none" strike="noStrike" kern="1200" cap="none" spc="0" normalizeH="0" baseline="0" noProof="0" dirty="0" smtClean="0">
+              <a:rPr kumimoji="0" lang="en-US" altLang="zh-CHS" sz="2200" b="0" i="0" u="none" strike="noStrike" kern="1200" cap="none" spc="0" normalizeH="0" baseline="0" noProof="0" dirty="0" smtClean="0">
                 <a:ln>
                   <a:noFill/>
                 </a:ln>
@@ -9023,7 +9044,7 @@
               <a:t>Try to use </a:t>
             </a:r>
             <a:r>
-              <a:rPr kumimoji="0" lang="en-US" altLang="zh-CN" sz="2200" b="0" i="0" u="none" strike="noStrike" kern="1200" cap="none" spc="0" normalizeH="0" baseline="0" noProof="0" dirty="0" err="1" smtClean="0">
+              <a:rPr kumimoji="0" lang="en-US" altLang="zh-CHS" sz="2200" b="0" i="0" u="none" strike="noStrike" kern="1200" cap="none" spc="0" normalizeH="0" baseline="0" noProof="0" dirty="0" err="1" smtClean="0">
                 <a:ln>
                   <a:noFill/>
                 </a:ln>
@@ -9040,7 +9061,7 @@
               <a:t>glViewport</a:t>
             </a:r>
             <a:r>
-              <a:rPr kumimoji="0" lang="en-US" altLang="zh-CN" sz="2200" b="0" i="0" u="none" strike="noStrike" kern="1200" cap="none" spc="0" normalizeH="0" baseline="0" noProof="0" dirty="0" smtClean="0">
+              <a:rPr kumimoji="0" lang="en-US" altLang="zh-CHS" sz="2200" b="0" i="0" u="none" strike="noStrike" kern="1200" cap="none" spc="0" normalizeH="0" baseline="0" noProof="0" dirty="0" smtClean="0">
                 <a:ln>
                   <a:noFill/>
                 </a:ln>
@@ -9057,7 +9078,7 @@
               <a:t>()</a:t>
             </a:r>
             <a:r>
-              <a:rPr kumimoji="0" lang="en-US" altLang="zh-CN" sz="2200" b="0" i="0" u="none" strike="noStrike" kern="1200" cap="none" spc="0" normalizeH="0" noProof="0" dirty="0" smtClean="0">
+              <a:rPr kumimoji="0" lang="en-US" altLang="zh-CHS" sz="2200" b="0" i="0" u="none" strike="noStrike" kern="1200" cap="none" spc="0" normalizeH="0" noProof="0" dirty="0" smtClean="0">
                 <a:ln>
                   <a:noFill/>
                 </a:ln>
@@ -9087,7 +9108,7 @@
               <a:buChar char=""/>
             </a:pPr>
             <a:r>
-              <a:rPr kumimoji="0" lang="en-US" altLang="zh-CN" sz="2200" b="0" i="0" u="none" strike="noStrike" kern="1200" cap="none" spc="0" normalizeH="0" noProof="0" dirty="0" smtClean="0">
+              <a:rPr kumimoji="0" lang="en-US" altLang="zh-CHS" sz="2200" b="0" i="0" u="none" strike="noStrike" kern="1200" cap="none" spc="0" normalizeH="0" noProof="0" dirty="0" smtClean="0">
                 <a:ln>
                   <a:noFill/>
                 </a:ln>
@@ -9104,7 +9125,7 @@
               <a:t>For instance, </a:t>
             </a:r>
             <a:r>
-              <a:rPr kumimoji="0" lang="en-US" altLang="zh-CN" sz="2200" b="0" i="0" u="none" strike="noStrike" kern="1200" cap="none" spc="0" normalizeH="0" noProof="0" smtClean="0">
+              <a:rPr kumimoji="0" lang="en-US" altLang="zh-CHS" sz="2200" b="0" i="0" u="none" strike="noStrike" kern="1200" cap="none" spc="0" normalizeH="0" noProof="0" smtClean="0">
                 <a:ln>
                   <a:noFill/>
                 </a:ln>
@@ -9120,7 +9141,7 @@
               </a:rPr>
               <a:t>left-top region</a:t>
             </a:r>
-            <a:endParaRPr kumimoji="0" lang="en-US" altLang="zh-CN" sz="2200" b="0" i="0" u="none" strike="noStrike" kern="1200" cap="none" spc="0" normalizeH="0" baseline="0" noProof="0" dirty="0" smtClean="0">
+            <a:endParaRPr kumimoji="0" lang="en-US" altLang="zh-CHS" sz="2200" b="0" i="0" u="none" strike="noStrike" kern="1200" cap="none" spc="0" normalizeH="0" baseline="0" noProof="0" dirty="0" smtClean="0">
               <a:ln>
                 <a:noFill/>
               </a:ln>
@@ -9156,7 +9177,7 @@
               <a:defRPr/>
             </a:pPr>
             <a:r>
-              <a:rPr kumimoji="0" lang="en-US" altLang="zh-CN" sz="2200" b="0" i="0" u="none" strike="noStrike" kern="1200" cap="none" spc="0" normalizeH="0" baseline="0" noProof="0" dirty="0" smtClean="0">
+              <a:rPr kumimoji="0" lang="en-US" altLang="zh-CHS" sz="2200" b="0" i="0" u="none" strike="noStrike" kern="1200" cap="none" spc="0" normalizeH="0" baseline="0" noProof="0" dirty="0" smtClean="0">
                 <a:ln>
                   <a:noFill/>
                 </a:ln>
@@ -9173,7 +9194,7 @@
               <a:t>Try</a:t>
             </a:r>
             <a:r>
-              <a:rPr kumimoji="0" lang="en-US" altLang="zh-CN" sz="2200" b="0" i="0" u="none" strike="noStrike" kern="1200" cap="none" spc="0" normalizeH="0" noProof="0" dirty="0" smtClean="0">
+              <a:rPr kumimoji="0" lang="en-US" altLang="zh-CHS" sz="2200" b="0" i="0" u="none" strike="noStrike" kern="1200" cap="none" spc="0" normalizeH="0" noProof="0" dirty="0" smtClean="0">
                 <a:ln>
                   <a:noFill/>
                 </a:ln>
@@ -9190,7 +9211,7 @@
               <a:t> to find out how to set the EYE using </a:t>
             </a:r>
             <a:r>
-              <a:rPr kumimoji="0" lang="en-US" altLang="zh-CN" sz="2200" b="0" i="0" u="none" strike="noStrike" kern="1200" cap="none" spc="0" normalizeH="0" noProof="0" dirty="0" err="1" smtClean="0">
+              <a:rPr kumimoji="0" lang="en-US" altLang="zh-CHS" sz="2200" b="0" i="0" u="none" strike="noStrike" kern="1200" cap="none" spc="0" normalizeH="0" noProof="0" dirty="0" err="1" smtClean="0">
                 <a:ln>
                   <a:noFill/>
                 </a:ln>
@@ -9207,7 +9228,7 @@
               <a:t>gluLookAt</a:t>
             </a:r>
             <a:r>
-              <a:rPr kumimoji="0" lang="en-US" altLang="zh-CN" sz="2200" b="0" i="0" u="none" strike="noStrike" kern="1200" cap="none" spc="0" normalizeH="0" noProof="0" dirty="0" smtClean="0">
+              <a:rPr kumimoji="0" lang="en-US" altLang="zh-CHS" sz="2200" b="0" i="0" u="none" strike="noStrike" kern="1200" cap="none" spc="0" normalizeH="0" noProof="0" dirty="0" smtClean="0">
                 <a:ln>
                   <a:noFill/>
                 </a:ln>
@@ -9237,7 +9258,7 @@
               <a:buChar char=""/>
             </a:pPr>
             <a:r>
-              <a:rPr lang="en-US" altLang="zh-CN" sz="2200" dirty="0" smtClean="0"/>
+              <a:rPr lang="en-US" altLang="zh-CHS" sz="2200" dirty="0" smtClean="0"/>
               <a:t>Different position/direction</a:t>
             </a:r>
           </a:p>
@@ -9291,7 +9312,7 @@
           <a:lstStyle/>
           <a:p>
             <a:r>
-              <a:rPr lang="en-US" altLang="zh-CN" dirty="0" smtClean="0">
+              <a:rPr lang="en-US" altLang="zh-CHS" dirty="0" smtClean="0">
                 <a:solidFill>
                   <a:srgbClr val="FF0000"/>
                 </a:solidFill>
@@ -9301,13 +9322,13 @@
           </a:p>
           <a:p>
             <a:r>
-              <a:rPr lang="en-US" altLang="zh-CN" dirty="0" smtClean="0"/>
+              <a:rPr lang="en-US" altLang="zh-CHS" dirty="0" smtClean="0"/>
               <a:t>Main techniques we need</a:t>
             </a:r>
           </a:p>
           <a:p>
             <a:r>
-              <a:rPr lang="en-US" altLang="zh-CN" dirty="0" smtClean="0"/>
+              <a:rPr lang="en-US" altLang="zh-CHS" dirty="0" smtClean="0"/>
               <a:t>Exercise time &amp; Some more (Optional)</a:t>
             </a:r>
           </a:p>
@@ -9329,10 +9350,10 @@
           <a:lstStyle/>
           <a:p>
             <a:r>
-              <a:rPr lang="en-US" altLang="zh-CN" dirty="0" smtClean="0"/>
+              <a:rPr lang="en-US" altLang="zh-CHS" dirty="0" smtClean="0"/>
               <a:t>Week 2</a:t>
             </a:r>
-            <a:endParaRPr lang="zh-CN" altLang="en-US" dirty="0"/>
+            <a:endParaRPr lang="zh-CHS" altLang="en-US" dirty="0"/>
           </a:p>
         </p:txBody>
       </p:sp>
@@ -9384,30 +9405,30 @@
           <a:lstStyle/>
           <a:p>
             <a:r>
-              <a:rPr lang="en-US" altLang="zh-CN" dirty="0" smtClean="0">
+              <a:rPr lang="en-US" altLang="zh-CHS" dirty="0" smtClean="0">
                 <a:hlinkClick r:id="rId2" action="ppaction://hlinkfile"/>
               </a:rPr>
               <a:t>Build up an OpenGL window</a:t>
             </a:r>
-            <a:endParaRPr lang="en-US" altLang="zh-CN" dirty="0" smtClean="0"/>
-          </a:p>
-          <a:p>
-            <a:r>
-              <a:rPr lang="en-US" altLang="zh-CN" dirty="0" smtClean="0">
+            <a:endParaRPr lang="en-US" altLang="zh-CHS" dirty="0" smtClean="0"/>
+          </a:p>
+          <a:p>
+            <a:r>
+              <a:rPr lang="en-US" altLang="zh-CHS" dirty="0" smtClean="0">
                 <a:hlinkClick r:id="rId3" action="ppaction://hlinkfile"/>
               </a:rPr>
               <a:t>Draw something</a:t>
             </a:r>
-            <a:endParaRPr lang="en-US" altLang="zh-CN" dirty="0" smtClean="0"/>
-          </a:p>
-          <a:p>
-            <a:r>
-              <a:rPr lang="en-US" altLang="zh-CN" dirty="0" smtClean="0">
+            <a:endParaRPr lang="en-US" altLang="zh-CHS" dirty="0" smtClean="0"/>
+          </a:p>
+          <a:p>
+            <a:r>
+              <a:rPr lang="en-US" altLang="zh-CHS" dirty="0" smtClean="0">
                 <a:hlinkClick r:id="rId4" action="ppaction://hlinkfile"/>
               </a:rPr>
               <a:t>Color what you draw</a:t>
             </a:r>
-            <a:endParaRPr lang="zh-CN" altLang="en-US" dirty="0"/>
+            <a:endParaRPr lang="zh-CHS" altLang="en-US" dirty="0"/>
           </a:p>
         </p:txBody>
       </p:sp>
@@ -9427,10 +9448,10 @@
           <a:lstStyle/>
           <a:p>
             <a:r>
-              <a:rPr lang="en-US" altLang="zh-CN" dirty="0" smtClean="0"/>
+              <a:rPr lang="en-US" altLang="zh-CHS" dirty="0" smtClean="0"/>
               <a:t>What will we do?</a:t>
             </a:r>
-            <a:endParaRPr lang="zh-CN" altLang="en-US" dirty="0"/>
+            <a:endParaRPr lang="zh-CHS" altLang="en-US" dirty="0"/>
           </a:p>
         </p:txBody>
       </p:sp>
@@ -9482,13 +9503,13 @@
           <a:lstStyle/>
           <a:p>
             <a:r>
-              <a:rPr lang="en-US" altLang="zh-CN" dirty="0" smtClean="0"/>
+              <a:rPr lang="en-US" altLang="zh-CHS" dirty="0" smtClean="0"/>
               <a:t>What will we do?</a:t>
             </a:r>
           </a:p>
           <a:p>
             <a:r>
-              <a:rPr lang="en-US" altLang="zh-CN" dirty="0" smtClean="0">
+              <a:rPr lang="en-US" altLang="zh-CHS" dirty="0" smtClean="0">
                 <a:solidFill>
                   <a:srgbClr val="FF0000"/>
                 </a:solidFill>
@@ -9498,7 +9519,7 @@
           </a:p>
           <a:p>
             <a:r>
-              <a:rPr lang="en-US" altLang="zh-CN" dirty="0" smtClean="0"/>
+              <a:rPr lang="en-US" altLang="zh-CHS" dirty="0" smtClean="0"/>
               <a:t>Exercise time &amp; Some more (Optional)</a:t>
             </a:r>
           </a:p>
@@ -9520,10 +9541,10 @@
           <a:lstStyle/>
           <a:p>
             <a:r>
-              <a:rPr lang="en-US" altLang="zh-CN" dirty="0" smtClean="0"/>
+              <a:rPr lang="en-US" altLang="zh-CHS" dirty="0" smtClean="0"/>
               <a:t>Week 2</a:t>
             </a:r>
-            <a:endParaRPr lang="zh-CN" altLang="en-US" dirty="0"/>
+            <a:endParaRPr lang="zh-CHS" altLang="en-US" dirty="0"/>
           </a:p>
         </p:txBody>
       </p:sp>
@@ -9575,24 +9596,24 @@
           <a:lstStyle/>
           <a:p>
             <a:r>
-              <a:rPr lang="en-US" altLang="zh-CN" dirty="0" smtClean="0"/>
+              <a:rPr lang="en-US" altLang="zh-CHS" dirty="0" smtClean="0"/>
               <a:t>Build up a window using </a:t>
             </a:r>
             <a:r>
-              <a:rPr lang="en-US" altLang="zh-CN" b="1" dirty="0" smtClean="0"/>
+              <a:rPr lang="en-US" altLang="zh-CHS" b="1" dirty="0" smtClean="0"/>
               <a:t>OpenGL Utility Toolkit</a:t>
             </a:r>
             <a:r>
-              <a:rPr lang="en-US" altLang="zh-CN" dirty="0" smtClean="0"/>
+              <a:rPr lang="en-US" altLang="zh-CHS" dirty="0" smtClean="0"/>
               <a:t> (GLUT)</a:t>
             </a:r>
           </a:p>
           <a:p>
             <a:r>
-              <a:rPr lang="en-US" altLang="zh-CN" dirty="0" smtClean="0"/>
+              <a:rPr lang="en-US" altLang="zh-CHS" dirty="0" smtClean="0"/>
               <a:t>Our first group of drawing/transformation functions</a:t>
             </a:r>
-            <a:endParaRPr lang="zh-CN" altLang="en-US" dirty="0"/>
+            <a:endParaRPr lang="zh-CHS" altLang="en-US" dirty="0"/>
           </a:p>
         </p:txBody>
       </p:sp>
@@ -9614,10 +9635,10 @@
           <a:lstStyle/>
           <a:p>
             <a:r>
-              <a:rPr lang="en-US" altLang="zh-CN" sz="3600" dirty="0" smtClean="0"/>
+              <a:rPr lang="en-US" altLang="zh-CHS" sz="3600" dirty="0" smtClean="0"/>
               <a:t>Main techniques we need</a:t>
             </a:r>
-            <a:endParaRPr lang="zh-CN" altLang="en-US" sz="3600" dirty="0"/>
+            <a:endParaRPr lang="zh-CHS" altLang="en-US" sz="3600" dirty="0"/>
           </a:p>
         </p:txBody>
       </p:sp>
@@ -9669,39 +9690,39 @@
           <a:lstStyle/>
           <a:p>
             <a:r>
-              <a:rPr lang="en-US" altLang="zh-CN" dirty="0" smtClean="0"/>
+              <a:rPr lang="en-US" altLang="zh-CHS" dirty="0" smtClean="0"/>
               <a:t>Using GLUT</a:t>
             </a:r>
           </a:p>
           <a:p>
             <a:pPr lvl="1"/>
             <a:r>
-              <a:rPr lang="en-US" altLang="zh-CN" dirty="0" smtClean="0"/>
+              <a:rPr lang="en-US" altLang="zh-CHS" dirty="0" smtClean="0"/>
               <a:t>Create a window</a:t>
             </a:r>
           </a:p>
           <a:p>
             <a:pPr lvl="2"/>
             <a:r>
-              <a:rPr lang="en-US" altLang="zh-CN" dirty="0" smtClean="0"/>
+              <a:rPr lang="en-US" altLang="zh-CHS" dirty="0" smtClean="0"/>
               <a:t>Drawing part</a:t>
             </a:r>
           </a:p>
           <a:p>
             <a:pPr lvl="2"/>
             <a:r>
-              <a:rPr lang="en-US" altLang="zh-CN" dirty="0" smtClean="0"/>
+              <a:rPr lang="en-US" altLang="zh-CHS" dirty="0" smtClean="0"/>
               <a:t>Menus, buttons, etc</a:t>
             </a:r>
           </a:p>
           <a:p>
             <a:pPr lvl="2"/>
-            <a:endParaRPr lang="en-US" altLang="zh-CN" dirty="0" smtClean="0"/>
+            <a:endParaRPr lang="en-US" altLang="zh-CHS" dirty="0" smtClean="0"/>
           </a:p>
           <a:p>
             <a:pPr lvl="1"/>
             <a:r>
-              <a:rPr lang="en-US" altLang="zh-CN" dirty="0" smtClean="0"/>
+              <a:rPr lang="en-US" altLang="zh-CHS" dirty="0" smtClean="0"/>
               <a:t>Keyboard/Mouse response</a:t>
             </a:r>
           </a:p>
@@ -9725,10 +9746,10 @@
           <a:lstStyle/>
           <a:p>
             <a:r>
-              <a:rPr lang="en-US" altLang="zh-CN" sz="4000" dirty="0" smtClean="0"/>
+              <a:rPr lang="en-US" altLang="zh-CHS" sz="4000" dirty="0" smtClean="0"/>
               <a:t>Using GLUT</a:t>
             </a:r>
-            <a:endParaRPr lang="zh-CN" altLang="en-US" sz="4000" dirty="0"/>
+            <a:endParaRPr lang="zh-CHS" altLang="en-US" sz="4000" dirty="0"/>
           </a:p>
         </p:txBody>
       </p:sp>
@@ -9780,84 +9801,76 @@
           <a:lstStyle/>
           <a:p>
             <a:r>
-              <a:rPr lang="en-US" altLang="zh-CN" dirty="0" smtClean="0"/>
+              <a:rPr lang="en-US" altLang="zh-CHS" dirty="0" smtClean="0"/>
               <a:t>Build an ordinary VS2010 console project</a:t>
             </a:r>
           </a:p>
           <a:p>
             <a:r>
-              <a:rPr lang="en-US" altLang="zh-CN" dirty="0" smtClean="0"/>
+              <a:rPr lang="en-US" altLang="zh-CHS" dirty="0" smtClean="0"/>
               <a:t>Include files</a:t>
             </a:r>
           </a:p>
           <a:p>
             <a:pPr lvl="1"/>
             <a:r>
-              <a:rPr lang="en-US" altLang="zh-CN" dirty="0" err="1" smtClean="0"/>
+              <a:rPr lang="en-US" altLang="zh-CHS" dirty="0" err="1" smtClean="0"/>
               <a:t>gl</a:t>
             </a:r>
             <a:r>
-              <a:rPr lang="en-US" altLang="zh-CN" dirty="0" smtClean="0"/>
+              <a:rPr lang="en-US" altLang="zh-CHS" dirty="0" smtClean="0"/>
               <a:t>/</a:t>
             </a:r>
             <a:r>
-              <a:rPr lang="en-US" altLang="zh-CN" dirty="0" err="1" smtClean="0"/>
+              <a:rPr lang="en-US" altLang="zh-CHS" dirty="0" err="1" smtClean="0"/>
               <a:t>glut.h</a:t>
             </a:r>
             <a:r>
-              <a:rPr lang="en-US" altLang="zh-CN" dirty="0" smtClean="0"/>
+              <a:rPr lang="en-US" altLang="zh-CHS" dirty="0" smtClean="0"/>
               <a:t> </a:t>
             </a:r>
           </a:p>
           <a:p>
             <a:pPr lvl="2"/>
             <a:r>
-              <a:rPr lang="en-US" altLang="zh-CN" dirty="0" smtClean="0"/>
+              <a:rPr lang="en-US" altLang="zh-CHS" dirty="0" smtClean="0"/>
               <a:t>or </a:t>
             </a:r>
             <a:r>
-              <a:rPr lang="en-US" altLang="zh-CN" dirty="0" err="1" smtClean="0"/>
+              <a:rPr lang="en-US" altLang="zh-CHS" dirty="0" err="1" smtClean="0"/>
               <a:t>gl</a:t>
             </a:r>
             <a:r>
-              <a:rPr lang="en-US" altLang="zh-CN" dirty="0" smtClean="0"/>
+              <a:rPr lang="en-US" altLang="zh-CHS" dirty="0" smtClean="0"/>
               <a:t>/</a:t>
             </a:r>
             <a:r>
-              <a:rPr lang="en-US" altLang="zh-CN" dirty="0" err="1" smtClean="0"/>
+              <a:rPr lang="en-US" altLang="zh-CHS" dirty="0" err="1" smtClean="0"/>
               <a:t>freeglut.h</a:t>
             </a:r>
             <a:r>
-              <a:rPr lang="en-US" altLang="zh-CN" dirty="0" smtClean="0"/>
+              <a:rPr lang="en-US" altLang="zh-CHS" dirty="0" smtClean="0"/>
               <a:t> if you’re using </a:t>
             </a:r>
             <a:r>
-              <a:rPr lang="en-US" altLang="zh-CN" dirty="0" err="1" smtClean="0"/>
+              <a:rPr lang="en-US" altLang="zh-CHS" dirty="0" err="1" smtClean="0"/>
               <a:t>FreeGLUT</a:t>
             </a:r>
-            <a:endParaRPr lang="en-US" altLang="zh-CN" dirty="0" smtClean="0"/>
+            <a:endParaRPr lang="en-US" altLang="zh-CHS" dirty="0" smtClean="0"/>
           </a:p>
           <a:p>
             <a:pPr lvl="2"/>
             <a:r>
-              <a:rPr lang="en-US" altLang="zh-CN" dirty="0" smtClean="0"/>
-              <a:t>No </a:t>
-            </a:r>
-            <a:r>
-              <a:rPr lang="en-US" altLang="zh-CN" dirty="0" smtClean="0"/>
-              <a:t>need to include </a:t>
-            </a:r>
-            <a:r>
-              <a:rPr lang="en-US" altLang="zh-CN" dirty="0" err="1" smtClean="0"/>
+              <a:rPr lang="en-US" altLang="zh-CHS" dirty="0" smtClean="0"/>
+              <a:t>No need to include </a:t>
+            </a:r>
+            <a:r>
+              <a:rPr lang="en-US" altLang="zh-CHS" dirty="0" err="1" smtClean="0"/>
               <a:t>gl.h</a:t>
             </a:r>
             <a:r>
-              <a:rPr lang="en-US" altLang="zh-CN" dirty="0" smtClean="0"/>
-              <a:t> </a:t>
-            </a:r>
-            <a:r>
-              <a:rPr lang="en-US" altLang="zh-CN" dirty="0" smtClean="0"/>
-              <a:t>explicitly</a:t>
+              <a:rPr lang="en-US" altLang="zh-CHS" dirty="0" smtClean="0"/>
+              <a:t> explicitly</a:t>
             </a:r>
           </a:p>
         </p:txBody>
@@ -9880,10 +9893,10 @@
           <a:lstStyle/>
           <a:p>
             <a:r>
-              <a:rPr lang="en-US" altLang="zh-CN" sz="4000" dirty="0" smtClean="0"/>
+              <a:rPr lang="en-US" altLang="zh-CHS" sz="4000" dirty="0" smtClean="0"/>
               <a:t>Using GLUT</a:t>
             </a:r>
-            <a:endParaRPr lang="zh-CN" altLang="en-US" sz="4000" dirty="0"/>
+            <a:endParaRPr lang="zh-CHS" altLang="en-US" sz="4000" dirty="0"/>
           </a:p>
         </p:txBody>
       </p:sp>
